--- a/ptrack/plots/plot.pptx
+++ b/ptrack/plots/plot.pptx
@@ -7,6 +7,8 @@
   <p:sldIdLst>
     <p:sldId id="256" r:id="rId2"/>
     <p:sldId id="257" r:id="rId3"/>
+    <p:sldId id="258" r:id="rId4"/>
+    <p:sldId id="259" r:id="rId5"/>
   </p:sldIdLst>
   <p:sldSz cx="9144000" cy="6858000" type="screen4x3"/>
   <p:notesSz cx="6858000" cy="9144000"/>
@@ -289,7 +291,7 @@
           <a:p>
             <a:fld id="{12368EDB-602B-4AD3-A917-BC6693084864}" type="datetimeFigureOut">
               <a:rPr lang="en-US" smtClean="0"/>
-              <a:t>2/5/2013</a:t>
+              <a:t>2/8/13</a:t>
             </a:fld>
             <a:endParaRPr lang="en-US"/>
           </a:p>
@@ -459,7 +461,7 @@
           <a:p>
             <a:fld id="{12368EDB-602B-4AD3-A917-BC6693084864}" type="datetimeFigureOut">
               <a:rPr lang="en-US" smtClean="0"/>
-              <a:t>2/5/2013</a:t>
+              <a:t>2/8/13</a:t>
             </a:fld>
             <a:endParaRPr lang="en-US"/>
           </a:p>
@@ -639,7 +641,7 @@
           <a:p>
             <a:fld id="{12368EDB-602B-4AD3-A917-BC6693084864}" type="datetimeFigureOut">
               <a:rPr lang="en-US" smtClean="0"/>
-              <a:t>2/5/2013</a:t>
+              <a:t>2/8/13</a:t>
             </a:fld>
             <a:endParaRPr lang="en-US"/>
           </a:p>
@@ -809,7 +811,7 @@
           <a:p>
             <a:fld id="{12368EDB-602B-4AD3-A917-BC6693084864}" type="datetimeFigureOut">
               <a:rPr lang="en-US" smtClean="0"/>
-              <a:t>2/5/2013</a:t>
+              <a:t>2/8/13</a:t>
             </a:fld>
             <a:endParaRPr lang="en-US"/>
           </a:p>
@@ -1055,7 +1057,7 @@
           <a:p>
             <a:fld id="{12368EDB-602B-4AD3-A917-BC6693084864}" type="datetimeFigureOut">
               <a:rPr lang="en-US" smtClean="0"/>
-              <a:t>2/5/2013</a:t>
+              <a:t>2/8/13</a:t>
             </a:fld>
             <a:endParaRPr lang="en-US"/>
           </a:p>
@@ -1343,7 +1345,7 @@
           <a:p>
             <a:fld id="{12368EDB-602B-4AD3-A917-BC6693084864}" type="datetimeFigureOut">
               <a:rPr lang="en-US" smtClean="0"/>
-              <a:t>2/5/2013</a:t>
+              <a:t>2/8/13</a:t>
             </a:fld>
             <a:endParaRPr lang="en-US"/>
           </a:p>
@@ -1765,7 +1767,7 @@
           <a:p>
             <a:fld id="{12368EDB-602B-4AD3-A917-BC6693084864}" type="datetimeFigureOut">
               <a:rPr lang="en-US" smtClean="0"/>
-              <a:t>2/5/2013</a:t>
+              <a:t>2/8/13</a:t>
             </a:fld>
             <a:endParaRPr lang="en-US"/>
           </a:p>
@@ -1883,7 +1885,7 @@
           <a:p>
             <a:fld id="{12368EDB-602B-4AD3-A917-BC6693084864}" type="datetimeFigureOut">
               <a:rPr lang="en-US" smtClean="0"/>
-              <a:t>2/5/2013</a:t>
+              <a:t>2/8/13</a:t>
             </a:fld>
             <a:endParaRPr lang="en-US"/>
           </a:p>
@@ -1978,7 +1980,7 @@
           <a:p>
             <a:fld id="{12368EDB-602B-4AD3-A917-BC6693084864}" type="datetimeFigureOut">
               <a:rPr lang="en-US" smtClean="0"/>
-              <a:t>2/5/2013</a:t>
+              <a:t>2/8/13</a:t>
             </a:fld>
             <a:endParaRPr lang="en-US"/>
           </a:p>
@@ -2255,7 +2257,7 @@
           <a:p>
             <a:fld id="{12368EDB-602B-4AD3-A917-BC6693084864}" type="datetimeFigureOut">
               <a:rPr lang="en-US" smtClean="0"/>
-              <a:t>2/5/2013</a:t>
+              <a:t>2/8/13</a:t>
             </a:fld>
             <a:endParaRPr lang="en-US"/>
           </a:p>
@@ -2508,7 +2510,7 @@
           <a:p>
             <a:fld id="{12368EDB-602B-4AD3-A917-BC6693084864}" type="datetimeFigureOut">
               <a:rPr lang="en-US" smtClean="0"/>
-              <a:t>2/5/2013</a:t>
+              <a:t>2/8/13</a:t>
             </a:fld>
             <a:endParaRPr lang="en-US"/>
           </a:p>
@@ -2721,7 +2723,7 @@
           <a:p>
             <a:fld id="{12368EDB-602B-4AD3-A917-BC6693084864}" type="datetimeFigureOut">
               <a:rPr lang="en-US" smtClean="0"/>
-              <a:t>2/5/2013</a:t>
+              <a:t>2/8/13</a:t>
             </a:fld>
             <a:endParaRPr lang="en-US"/>
           </a:p>
@@ -9253,45 +9255,4405 @@
 </p:sld>
 </file>
 
+<file path=ppt/slides/slide3.xml><?xml version="1.0" encoding="utf-8"?>
+<p:sld xmlns:a="http://schemas.openxmlformats.org/drawingml/2006/main" xmlns:r="http://schemas.openxmlformats.org/officeDocument/2006/relationships" xmlns:p="http://schemas.openxmlformats.org/presentationml/2006/main">
+  <p:cSld>
+    <p:spTree>
+      <p:nvGrpSpPr>
+        <p:cNvPr id="1" name=""/>
+        <p:cNvGrpSpPr/>
+        <p:nvPr/>
+      </p:nvGrpSpPr>
+      <p:grpSpPr>
+        <a:xfrm>
+          <a:off x="0" y="0"/>
+          <a:ext cx="0" cy="0"/>
+          <a:chOff x="0" y="0"/>
+          <a:chExt cx="0" cy="0"/>
+        </a:xfrm>
+      </p:grpSpPr>
+      <p:sp>
+        <p:nvSpPr>
+          <p:cNvPr id="4" name="Rectangle 3"/>
+          <p:cNvSpPr/>
+          <p:nvPr/>
+        </p:nvSpPr>
+        <p:spPr>
+          <a:xfrm>
+            <a:off x="883920" y="381000"/>
+            <a:ext cx="1463040" cy="731520"/>
+          </a:xfrm>
+          <a:prstGeom prst="rect">
+            <a:avLst/>
+          </a:prstGeom>
+          <a:noFill/>
+          <a:ln w="19050" cmpd="sng">
+            <a:solidFill>
+              <a:schemeClr val="tx1">
+                <a:lumMod val="95000"/>
+                <a:lumOff val="5000"/>
+              </a:schemeClr>
+            </a:solidFill>
+          </a:ln>
+          <a:effectLst/>
+        </p:spPr>
+        <p:style>
+          <a:lnRef idx="1">
+            <a:schemeClr val="accent1"/>
+          </a:lnRef>
+          <a:fillRef idx="3">
+            <a:schemeClr val="accent1"/>
+          </a:fillRef>
+          <a:effectRef idx="2">
+            <a:schemeClr val="accent1"/>
+          </a:effectRef>
+          <a:fontRef idx="minor">
+            <a:schemeClr val="lt1"/>
+          </a:fontRef>
+        </p:style>
+        <p:txBody>
+          <a:bodyPr rtlCol="0" anchor="ctr"/>
+          <a:lstStyle/>
+          <a:p>
+            <a:pPr algn="ctr"/>
+            <a:r>
+              <a:rPr lang="en-US" dirty="0" smtClean="0">
+                <a:solidFill>
+                  <a:schemeClr val="tx1"/>
+                </a:solidFill>
+              </a:rPr>
+              <a:t>Extracting</a:t>
+            </a:r>
+          </a:p>
+          <a:p>
+            <a:pPr algn="ctr"/>
+            <a:r>
+              <a:rPr lang="en-US" dirty="0" smtClean="0">
+                <a:solidFill>
+                  <a:schemeClr val="tx1"/>
+                </a:solidFill>
+              </a:rPr>
+              <a:t>Local Feature</a:t>
+            </a:r>
+          </a:p>
+        </p:txBody>
+      </p:sp>
+      <p:sp>
+        <p:nvSpPr>
+          <p:cNvPr id="5" name="Rectangle 4"/>
+          <p:cNvSpPr/>
+          <p:nvPr/>
+        </p:nvSpPr>
+        <p:spPr>
+          <a:xfrm>
+            <a:off x="2773680" y="381000"/>
+            <a:ext cx="1828800" cy="731520"/>
+          </a:xfrm>
+          <a:prstGeom prst="rect">
+            <a:avLst/>
+          </a:prstGeom>
+          <a:noFill/>
+          <a:ln w="19050" cmpd="sng">
+            <a:solidFill>
+              <a:schemeClr val="tx1">
+                <a:lumMod val="95000"/>
+                <a:lumOff val="5000"/>
+              </a:schemeClr>
+            </a:solidFill>
+          </a:ln>
+          <a:effectLst/>
+        </p:spPr>
+        <p:style>
+          <a:lnRef idx="1">
+            <a:schemeClr val="accent1"/>
+          </a:lnRef>
+          <a:fillRef idx="3">
+            <a:schemeClr val="accent1"/>
+          </a:fillRef>
+          <a:effectRef idx="2">
+            <a:schemeClr val="accent1"/>
+          </a:effectRef>
+          <a:fontRef idx="minor">
+            <a:schemeClr val="lt1"/>
+          </a:fontRef>
+        </p:style>
+        <p:txBody>
+          <a:bodyPr rtlCol="0" anchor="ctr"/>
+          <a:lstStyle/>
+          <a:p>
+            <a:pPr algn="ctr"/>
+            <a:r>
+              <a:rPr lang="en-US" dirty="0" smtClean="0">
+                <a:solidFill>
+                  <a:schemeClr val="tx1"/>
+                </a:solidFill>
+              </a:rPr>
+              <a:t>Creating Local Connectivity Info</a:t>
+            </a:r>
+            <a:endParaRPr lang="en-US" dirty="0">
+              <a:solidFill>
+                <a:schemeClr val="tx1"/>
+              </a:solidFill>
+            </a:endParaRPr>
+          </a:p>
+        </p:txBody>
+      </p:sp>
+      <p:sp>
+        <p:nvSpPr>
+          <p:cNvPr id="6" name="Rectangle 5"/>
+          <p:cNvSpPr/>
+          <p:nvPr/>
+        </p:nvSpPr>
+        <p:spPr>
+          <a:xfrm>
+            <a:off x="5029200" y="381000"/>
+            <a:ext cx="1828800" cy="731520"/>
+          </a:xfrm>
+          <a:prstGeom prst="rect">
+            <a:avLst/>
+          </a:prstGeom>
+          <a:noFill/>
+          <a:ln w="19050" cmpd="sng">
+            <a:solidFill>
+              <a:schemeClr val="tx1">
+                <a:lumMod val="95000"/>
+                <a:lumOff val="5000"/>
+              </a:schemeClr>
+            </a:solidFill>
+          </a:ln>
+          <a:effectLst/>
+        </p:spPr>
+        <p:style>
+          <a:lnRef idx="1">
+            <a:schemeClr val="accent1"/>
+          </a:lnRef>
+          <a:fillRef idx="3">
+            <a:schemeClr val="accent1"/>
+          </a:fillRef>
+          <a:effectRef idx="2">
+            <a:schemeClr val="accent1"/>
+          </a:effectRef>
+          <a:fontRef idx="minor">
+            <a:schemeClr val="lt1"/>
+          </a:fontRef>
+        </p:style>
+        <p:txBody>
+          <a:bodyPr rtlCol="0" anchor="ctr"/>
+          <a:lstStyle/>
+          <a:p>
+            <a:pPr algn="ctr"/>
+            <a:r>
+              <a:rPr lang="en-US" dirty="0" smtClean="0">
+                <a:solidFill>
+                  <a:schemeClr val="tx1"/>
+                </a:solidFill>
+              </a:rPr>
+              <a:t>Creating Global Connectivity Info</a:t>
+            </a:r>
+            <a:endParaRPr lang="en-US" dirty="0">
+              <a:solidFill>
+                <a:schemeClr val="tx1"/>
+              </a:solidFill>
+            </a:endParaRPr>
+          </a:p>
+        </p:txBody>
+      </p:sp>
+      <p:sp>
+        <p:nvSpPr>
+          <p:cNvPr id="7" name="Rectangle 6"/>
+          <p:cNvSpPr/>
+          <p:nvPr/>
+        </p:nvSpPr>
+        <p:spPr>
+          <a:xfrm>
+            <a:off x="7284720" y="381000"/>
+            <a:ext cx="1188720" cy="731520"/>
+          </a:xfrm>
+          <a:prstGeom prst="rect">
+            <a:avLst/>
+          </a:prstGeom>
+          <a:noFill/>
+          <a:ln w="19050" cmpd="sng">
+            <a:solidFill>
+              <a:schemeClr val="tx1">
+                <a:lumMod val="95000"/>
+                <a:lumOff val="5000"/>
+              </a:schemeClr>
+            </a:solidFill>
+          </a:ln>
+          <a:effectLst/>
+        </p:spPr>
+        <p:style>
+          <a:lnRef idx="1">
+            <a:schemeClr val="accent1"/>
+          </a:lnRef>
+          <a:fillRef idx="3">
+            <a:schemeClr val="accent1"/>
+          </a:fillRef>
+          <a:effectRef idx="2">
+            <a:schemeClr val="accent1"/>
+          </a:effectRef>
+          <a:fontRef idx="minor">
+            <a:schemeClr val="lt1"/>
+          </a:fontRef>
+        </p:style>
+        <p:txBody>
+          <a:bodyPr rtlCol="0" anchor="ctr"/>
+          <a:lstStyle/>
+          <a:p>
+            <a:pPr algn="ctr"/>
+            <a:r>
+              <a:rPr lang="en-US" dirty="0" smtClean="0">
+                <a:solidFill>
+                  <a:schemeClr val="tx1"/>
+                </a:solidFill>
+              </a:rPr>
+              <a:t>Feature</a:t>
+            </a:r>
+          </a:p>
+          <a:p>
+            <a:pPr algn="ctr"/>
+            <a:r>
+              <a:rPr lang="en-US" dirty="0" smtClean="0">
+                <a:solidFill>
+                  <a:schemeClr val="tx1"/>
+                </a:solidFill>
+              </a:rPr>
+              <a:t>Tracking</a:t>
+            </a:r>
+            <a:endParaRPr lang="en-US" dirty="0">
+              <a:solidFill>
+                <a:schemeClr val="tx1"/>
+              </a:solidFill>
+            </a:endParaRPr>
+          </a:p>
+        </p:txBody>
+      </p:sp>
+      <p:cxnSp>
+        <p:nvCxnSpPr>
+          <p:cNvPr id="9" name="Straight Arrow Connector 8"/>
+          <p:cNvCxnSpPr>
+            <a:stCxn id="4" idx="3"/>
+            <a:endCxn id="5" idx="1"/>
+          </p:cNvCxnSpPr>
+          <p:nvPr/>
+        </p:nvCxnSpPr>
+        <p:spPr>
+          <a:xfrm>
+            <a:off x="2346960" y="746760"/>
+            <a:ext cx="426720" cy="0"/>
+          </a:xfrm>
+          <a:prstGeom prst="straightConnector1">
+            <a:avLst/>
+          </a:prstGeom>
+          <a:ln w="19050" cmpd="sng">
+            <a:solidFill>
+              <a:schemeClr val="tx1">
+                <a:lumMod val="95000"/>
+                <a:lumOff val="5000"/>
+              </a:schemeClr>
+            </a:solidFill>
+            <a:tailEnd type="arrow"/>
+          </a:ln>
+          <a:effectLst/>
+        </p:spPr>
+        <p:style>
+          <a:lnRef idx="2">
+            <a:schemeClr val="accent1"/>
+          </a:lnRef>
+          <a:fillRef idx="0">
+            <a:schemeClr val="accent1"/>
+          </a:fillRef>
+          <a:effectRef idx="1">
+            <a:schemeClr val="accent1"/>
+          </a:effectRef>
+          <a:fontRef idx="minor">
+            <a:schemeClr val="tx1"/>
+          </a:fontRef>
+        </p:style>
+      </p:cxnSp>
+      <p:cxnSp>
+        <p:nvCxnSpPr>
+          <p:cNvPr id="10" name="Straight Arrow Connector 9"/>
+          <p:cNvCxnSpPr>
+            <a:stCxn id="5" idx="3"/>
+            <a:endCxn id="6" idx="1"/>
+          </p:cNvCxnSpPr>
+          <p:nvPr/>
+        </p:nvCxnSpPr>
+        <p:spPr>
+          <a:xfrm>
+            <a:off x="4602480" y="746760"/>
+            <a:ext cx="426720" cy="0"/>
+          </a:xfrm>
+          <a:prstGeom prst="straightConnector1">
+            <a:avLst/>
+          </a:prstGeom>
+          <a:ln w="19050" cmpd="sng">
+            <a:solidFill>
+              <a:schemeClr val="tx1">
+                <a:lumMod val="95000"/>
+                <a:lumOff val="5000"/>
+              </a:schemeClr>
+            </a:solidFill>
+            <a:tailEnd type="arrow"/>
+          </a:ln>
+          <a:effectLst/>
+        </p:spPr>
+        <p:style>
+          <a:lnRef idx="2">
+            <a:schemeClr val="accent1"/>
+          </a:lnRef>
+          <a:fillRef idx="0">
+            <a:schemeClr val="accent1"/>
+          </a:fillRef>
+          <a:effectRef idx="1">
+            <a:schemeClr val="accent1"/>
+          </a:effectRef>
+          <a:fontRef idx="minor">
+            <a:schemeClr val="tx1"/>
+          </a:fontRef>
+        </p:style>
+      </p:cxnSp>
+      <p:cxnSp>
+        <p:nvCxnSpPr>
+          <p:cNvPr id="13" name="Straight Arrow Connector 12"/>
+          <p:cNvCxnSpPr>
+            <a:stCxn id="6" idx="3"/>
+            <a:endCxn id="7" idx="1"/>
+          </p:cNvCxnSpPr>
+          <p:nvPr/>
+        </p:nvCxnSpPr>
+        <p:spPr>
+          <a:xfrm>
+            <a:off x="6858000" y="746760"/>
+            <a:ext cx="426720" cy="0"/>
+          </a:xfrm>
+          <a:prstGeom prst="straightConnector1">
+            <a:avLst/>
+          </a:prstGeom>
+          <a:ln w="19050" cmpd="sng">
+            <a:solidFill>
+              <a:schemeClr val="tx1">
+                <a:lumMod val="95000"/>
+                <a:lumOff val="5000"/>
+              </a:schemeClr>
+            </a:solidFill>
+            <a:tailEnd type="arrow"/>
+          </a:ln>
+          <a:effectLst/>
+        </p:spPr>
+        <p:style>
+          <a:lnRef idx="2">
+            <a:schemeClr val="accent1"/>
+          </a:lnRef>
+          <a:fillRef idx="0">
+            <a:schemeClr val="accent1"/>
+          </a:fillRef>
+          <a:effectRef idx="1">
+            <a:schemeClr val="accent1"/>
+          </a:effectRef>
+          <a:fontRef idx="minor">
+            <a:schemeClr val="tx1"/>
+          </a:fontRef>
+        </p:style>
+      </p:cxnSp>
+      <p:sp>
+        <p:nvSpPr>
+          <p:cNvPr id="20" name="Rectangle 19"/>
+          <p:cNvSpPr/>
+          <p:nvPr/>
+        </p:nvSpPr>
+        <p:spPr>
+          <a:xfrm>
+            <a:off x="502920" y="304800"/>
+            <a:ext cx="8229600" cy="838200"/>
+          </a:xfrm>
+          <a:prstGeom prst="rect">
+            <a:avLst/>
+          </a:prstGeom>
+          <a:noFill/>
+          <a:ln w="19050" cmpd="sng">
+            <a:noFill/>
+          </a:ln>
+          <a:effectLst/>
+        </p:spPr>
+        <p:style>
+          <a:lnRef idx="1">
+            <a:schemeClr val="accent1"/>
+          </a:lnRef>
+          <a:fillRef idx="3">
+            <a:schemeClr val="accent1"/>
+          </a:fillRef>
+          <a:effectRef idx="2">
+            <a:schemeClr val="accent1"/>
+          </a:effectRef>
+          <a:fontRef idx="minor">
+            <a:schemeClr val="lt1"/>
+          </a:fontRef>
+        </p:style>
+        <p:txBody>
+          <a:bodyPr rtlCol="0" anchor="ctr"/>
+          <a:lstStyle/>
+          <a:p>
+            <a:pPr algn="ctr"/>
+            <a:endParaRPr lang="en-US" sz="2000" dirty="0">
+              <a:solidFill>
+                <a:schemeClr val="tx1"/>
+              </a:solidFill>
+            </a:endParaRPr>
+          </a:p>
+        </p:txBody>
+      </p:sp>
+      <p:sp>
+        <p:nvSpPr>
+          <p:cNvPr id="15" name="Rectangle 14"/>
+          <p:cNvSpPr/>
+          <p:nvPr/>
+        </p:nvSpPr>
+        <p:spPr>
+          <a:xfrm>
+            <a:off x="2590800" y="3657600"/>
+            <a:ext cx="1371600" cy="615950"/>
+          </a:xfrm>
+          <a:prstGeom prst="rect">
+            <a:avLst/>
+          </a:prstGeom>
+          <a:solidFill>
+            <a:schemeClr val="bg1"/>
+          </a:solidFill>
+          <a:ln w="19050" cmpd="sng">
+            <a:solidFill>
+              <a:schemeClr val="tx1">
+                <a:lumMod val="95000"/>
+                <a:lumOff val="5000"/>
+              </a:schemeClr>
+            </a:solidFill>
+          </a:ln>
+          <a:effectLst/>
+        </p:spPr>
+        <p:style>
+          <a:lnRef idx="1">
+            <a:schemeClr val="accent1"/>
+          </a:lnRef>
+          <a:fillRef idx="3">
+            <a:schemeClr val="accent1"/>
+          </a:fillRef>
+          <a:effectRef idx="2">
+            <a:schemeClr val="accent1"/>
+          </a:effectRef>
+          <a:fontRef idx="minor">
+            <a:schemeClr val="lt1"/>
+          </a:fontRef>
+        </p:style>
+        <p:txBody>
+          <a:bodyPr rtlCol="0" anchor="ctr"/>
+          <a:lstStyle/>
+          <a:p>
+            <a:pPr algn="ctr">
+              <a:lnSpc>
+                <a:spcPct val="80000"/>
+              </a:lnSpc>
+            </a:pPr>
+            <a:r>
+              <a:rPr lang="en-US" sz="1300" dirty="0" smtClean="0">
+                <a:solidFill>
+                  <a:schemeClr val="tx1"/>
+                </a:solidFill>
+              </a:rPr>
+              <a:t>Create / Update Local</a:t>
+            </a:r>
+          </a:p>
+          <a:p>
+            <a:pPr algn="ctr">
+              <a:lnSpc>
+                <a:spcPct val="80000"/>
+              </a:lnSpc>
+            </a:pPr>
+            <a:r>
+              <a:rPr lang="en-US" sz="1300" dirty="0" smtClean="0">
+                <a:solidFill>
+                  <a:schemeClr val="tx1"/>
+                </a:solidFill>
+              </a:rPr>
+              <a:t>Connectivity Info</a:t>
+            </a:r>
+            <a:endParaRPr lang="en-US" sz="1300" dirty="0">
+              <a:solidFill>
+                <a:schemeClr val="tx1"/>
+              </a:solidFill>
+            </a:endParaRPr>
+          </a:p>
+        </p:txBody>
+      </p:sp>
+      <p:sp>
+        <p:nvSpPr>
+          <p:cNvPr id="16" name="Rectangle 15"/>
+          <p:cNvSpPr/>
+          <p:nvPr/>
+        </p:nvSpPr>
+        <p:spPr>
+          <a:xfrm>
+            <a:off x="4114800" y="3657600"/>
+            <a:ext cx="1371600" cy="615950"/>
+          </a:xfrm>
+          <a:prstGeom prst="rect">
+            <a:avLst/>
+          </a:prstGeom>
+          <a:solidFill>
+            <a:schemeClr val="bg1"/>
+          </a:solidFill>
+          <a:ln w="19050" cmpd="sng">
+            <a:solidFill>
+              <a:schemeClr val="tx1">
+                <a:lumMod val="95000"/>
+                <a:lumOff val="5000"/>
+              </a:schemeClr>
+            </a:solidFill>
+          </a:ln>
+          <a:effectLst/>
+        </p:spPr>
+        <p:style>
+          <a:lnRef idx="1">
+            <a:schemeClr val="accent1"/>
+          </a:lnRef>
+          <a:fillRef idx="3">
+            <a:schemeClr val="accent1"/>
+          </a:fillRef>
+          <a:effectRef idx="2">
+            <a:schemeClr val="accent1"/>
+          </a:effectRef>
+          <a:fontRef idx="minor">
+            <a:schemeClr val="lt1"/>
+          </a:fontRef>
+        </p:style>
+        <p:txBody>
+          <a:bodyPr rtlCol="0" anchor="ctr"/>
+          <a:lstStyle/>
+          <a:p>
+            <a:pPr algn="ctr">
+              <a:lnSpc>
+                <a:spcPct val="80000"/>
+              </a:lnSpc>
+            </a:pPr>
+            <a:r>
+              <a:rPr lang="en-US" sz="1300" dirty="0">
+                <a:solidFill>
+                  <a:schemeClr val="tx1"/>
+                </a:solidFill>
+              </a:rPr>
+              <a:t>Create / Update </a:t>
+            </a:r>
+            <a:r>
+              <a:rPr lang="en-US" sz="1300" dirty="0" smtClean="0">
+                <a:solidFill>
+                  <a:schemeClr val="tx1"/>
+                </a:solidFill>
+              </a:rPr>
+              <a:t> Global</a:t>
+            </a:r>
+          </a:p>
+          <a:p>
+            <a:pPr algn="ctr">
+              <a:lnSpc>
+                <a:spcPct val="80000"/>
+              </a:lnSpc>
+            </a:pPr>
+            <a:r>
+              <a:rPr lang="en-US" sz="1300" dirty="0" smtClean="0">
+                <a:solidFill>
+                  <a:schemeClr val="tx1"/>
+                </a:solidFill>
+              </a:rPr>
+              <a:t>Connectivity Info</a:t>
+            </a:r>
+            <a:endParaRPr lang="en-US" sz="1300" dirty="0">
+              <a:solidFill>
+                <a:schemeClr val="tx1"/>
+              </a:solidFill>
+            </a:endParaRPr>
+          </a:p>
+        </p:txBody>
+      </p:sp>
+      <p:cxnSp>
+        <p:nvCxnSpPr>
+          <p:cNvPr id="18" name="Straight Arrow Connector 17"/>
+          <p:cNvCxnSpPr>
+            <a:stCxn id="23" idx="3"/>
+            <a:endCxn id="15" idx="1"/>
+          </p:cNvCxnSpPr>
+          <p:nvPr/>
+        </p:nvCxnSpPr>
+        <p:spPr>
+          <a:xfrm>
+            <a:off x="2438400" y="3965575"/>
+            <a:ext cx="152400" cy="0"/>
+          </a:xfrm>
+          <a:prstGeom prst="straightConnector1">
+            <a:avLst/>
+          </a:prstGeom>
+          <a:ln w="19050" cmpd="sng">
+            <a:solidFill>
+              <a:schemeClr val="tx1">
+                <a:lumMod val="95000"/>
+                <a:lumOff val="5000"/>
+              </a:schemeClr>
+            </a:solidFill>
+            <a:tailEnd type="triangle"/>
+          </a:ln>
+          <a:effectLst/>
+        </p:spPr>
+        <p:style>
+          <a:lnRef idx="2">
+            <a:schemeClr val="accent1"/>
+          </a:lnRef>
+          <a:fillRef idx="0">
+            <a:schemeClr val="accent1"/>
+          </a:fillRef>
+          <a:effectRef idx="1">
+            <a:schemeClr val="accent1"/>
+          </a:effectRef>
+          <a:fontRef idx="minor">
+            <a:schemeClr val="tx1"/>
+          </a:fontRef>
+        </p:style>
+      </p:cxnSp>
+      <p:cxnSp>
+        <p:nvCxnSpPr>
+          <p:cNvPr id="19" name="Straight Arrow Connector 18"/>
+          <p:cNvCxnSpPr>
+            <a:stCxn id="15" idx="3"/>
+            <a:endCxn id="16" idx="1"/>
+          </p:cNvCxnSpPr>
+          <p:nvPr/>
+        </p:nvCxnSpPr>
+        <p:spPr>
+          <a:xfrm>
+            <a:off x="3962400" y="3965575"/>
+            <a:ext cx="152400" cy="0"/>
+          </a:xfrm>
+          <a:prstGeom prst="straightConnector1">
+            <a:avLst/>
+          </a:prstGeom>
+          <a:ln w="19050" cmpd="sng">
+            <a:solidFill>
+              <a:schemeClr val="tx1">
+                <a:lumMod val="95000"/>
+                <a:lumOff val="5000"/>
+              </a:schemeClr>
+            </a:solidFill>
+            <a:tailEnd type="triangle"/>
+          </a:ln>
+          <a:effectLst/>
+        </p:spPr>
+        <p:style>
+          <a:lnRef idx="2">
+            <a:schemeClr val="accent1"/>
+          </a:lnRef>
+          <a:fillRef idx="0">
+            <a:schemeClr val="accent1"/>
+          </a:fillRef>
+          <a:effectRef idx="1">
+            <a:schemeClr val="accent1"/>
+          </a:effectRef>
+          <a:fontRef idx="minor">
+            <a:schemeClr val="tx1"/>
+          </a:fontRef>
+        </p:style>
+      </p:cxnSp>
+      <p:cxnSp>
+        <p:nvCxnSpPr>
+          <p:cNvPr id="21" name="Straight Arrow Connector 20"/>
+          <p:cNvCxnSpPr>
+            <a:stCxn id="16" idx="3"/>
+            <a:endCxn id="17" idx="1"/>
+          </p:cNvCxnSpPr>
+          <p:nvPr/>
+        </p:nvCxnSpPr>
+        <p:spPr>
+          <a:xfrm>
+            <a:off x="5486400" y="3965575"/>
+            <a:ext cx="152400" cy="0"/>
+          </a:xfrm>
+          <a:prstGeom prst="straightConnector1">
+            <a:avLst/>
+          </a:prstGeom>
+          <a:ln w="19050" cmpd="sng">
+            <a:solidFill>
+              <a:schemeClr val="tx1">
+                <a:lumMod val="95000"/>
+                <a:lumOff val="5000"/>
+              </a:schemeClr>
+            </a:solidFill>
+            <a:tailEnd type="triangle"/>
+          </a:ln>
+          <a:effectLst/>
+        </p:spPr>
+        <p:style>
+          <a:lnRef idx="2">
+            <a:schemeClr val="accent1"/>
+          </a:lnRef>
+          <a:fillRef idx="0">
+            <a:schemeClr val="accent1"/>
+          </a:fillRef>
+          <a:effectRef idx="1">
+            <a:schemeClr val="accent1"/>
+          </a:effectRef>
+          <a:fontRef idx="minor">
+            <a:schemeClr val="tx1"/>
+          </a:fontRef>
+        </p:style>
+      </p:cxnSp>
+      <p:sp>
+        <p:nvSpPr>
+          <p:cNvPr id="22" name="Magnetic Disk 21"/>
+          <p:cNvSpPr/>
+          <p:nvPr/>
+        </p:nvSpPr>
+        <p:spPr>
+          <a:xfrm>
+            <a:off x="1295400" y="4425950"/>
+            <a:ext cx="1143000" cy="533400"/>
+          </a:xfrm>
+          <a:prstGeom prst="flowChartMagneticDisk">
+            <a:avLst/>
+          </a:prstGeom>
+          <a:solidFill>
+            <a:schemeClr val="bg1"/>
+          </a:solidFill>
+          <a:ln w="19050" cmpd="sng">
+            <a:solidFill>
+              <a:schemeClr val="tx1">
+                <a:lumMod val="95000"/>
+                <a:lumOff val="5000"/>
+              </a:schemeClr>
+            </a:solidFill>
+          </a:ln>
+          <a:effectLst/>
+        </p:spPr>
+        <p:style>
+          <a:lnRef idx="1">
+            <a:schemeClr val="accent1"/>
+          </a:lnRef>
+          <a:fillRef idx="3">
+            <a:schemeClr val="accent1"/>
+          </a:fillRef>
+          <a:effectRef idx="2">
+            <a:schemeClr val="accent1"/>
+          </a:effectRef>
+          <a:fontRef idx="minor">
+            <a:schemeClr val="lt1"/>
+          </a:fontRef>
+        </p:style>
+        <p:txBody>
+          <a:bodyPr rtlCol="0" anchor="ctr"/>
+          <a:lstStyle/>
+          <a:p>
+            <a:pPr algn="ctr"/>
+            <a:r>
+              <a:rPr lang="en-US" sz="400" dirty="0" smtClean="0">
+                <a:solidFill>
+                  <a:schemeClr val="tx1"/>
+                </a:solidFill>
+              </a:rPr>
+              <a:t> </a:t>
+            </a:r>
+          </a:p>
+          <a:p>
+            <a:pPr algn="ctr">
+              <a:lnSpc>
+                <a:spcPct val="80000"/>
+              </a:lnSpc>
+            </a:pPr>
+            <a:r>
+              <a:rPr lang="en-US" sz="1200" dirty="0" smtClean="0">
+                <a:solidFill>
+                  <a:schemeClr val="tx1"/>
+                </a:solidFill>
+              </a:rPr>
+              <a:t>Local Volume Data Partition</a:t>
+            </a:r>
+          </a:p>
+        </p:txBody>
+      </p:sp>
+      <p:sp>
+        <p:nvSpPr>
+          <p:cNvPr id="23" name="Rectangle 22"/>
+          <p:cNvSpPr/>
+          <p:nvPr/>
+        </p:nvSpPr>
+        <p:spPr>
+          <a:xfrm>
+            <a:off x="1295400" y="3657600"/>
+            <a:ext cx="1143000" cy="615950"/>
+          </a:xfrm>
+          <a:prstGeom prst="rect">
+            <a:avLst/>
+          </a:prstGeom>
+          <a:solidFill>
+            <a:schemeClr val="bg1"/>
+          </a:solidFill>
+          <a:ln w="19050" cmpd="sng">
+            <a:solidFill>
+              <a:schemeClr val="tx1">
+                <a:lumMod val="95000"/>
+                <a:lumOff val="5000"/>
+              </a:schemeClr>
+            </a:solidFill>
+          </a:ln>
+          <a:effectLst/>
+        </p:spPr>
+        <p:style>
+          <a:lnRef idx="1">
+            <a:schemeClr val="accent1"/>
+          </a:lnRef>
+          <a:fillRef idx="3">
+            <a:schemeClr val="accent1"/>
+          </a:fillRef>
+          <a:effectRef idx="2">
+            <a:schemeClr val="accent1"/>
+          </a:effectRef>
+          <a:fontRef idx="minor">
+            <a:schemeClr val="lt1"/>
+          </a:fontRef>
+        </p:style>
+        <p:txBody>
+          <a:bodyPr rtlCol="0" anchor="ctr"/>
+          <a:lstStyle/>
+          <a:p>
+            <a:pPr algn="ctr"/>
+            <a:r>
+              <a:rPr lang="en-US" sz="1300" dirty="0" smtClean="0">
+                <a:solidFill>
+                  <a:schemeClr val="tx1"/>
+                </a:solidFill>
+              </a:rPr>
+              <a:t>Extracting</a:t>
+            </a:r>
+          </a:p>
+          <a:p>
+            <a:pPr algn="ctr"/>
+            <a:r>
+              <a:rPr lang="en-US" sz="1300" dirty="0" smtClean="0">
+                <a:solidFill>
+                  <a:schemeClr val="tx1"/>
+                </a:solidFill>
+              </a:rPr>
+              <a:t>Local Feature</a:t>
+            </a:r>
+          </a:p>
+        </p:txBody>
+      </p:sp>
+      <p:cxnSp>
+        <p:nvCxnSpPr>
+          <p:cNvPr id="24" name="Straight Arrow Connector 23"/>
+          <p:cNvCxnSpPr>
+            <a:endCxn id="23" idx="2"/>
+          </p:cNvCxnSpPr>
+          <p:nvPr/>
+        </p:nvCxnSpPr>
+        <p:spPr>
+          <a:xfrm flipH="1" flipV="1">
+            <a:off x="1866900" y="4273550"/>
+            <a:ext cx="1391" cy="224101"/>
+          </a:xfrm>
+          <a:prstGeom prst="straightConnector1">
+            <a:avLst/>
+          </a:prstGeom>
+          <a:ln w="19050" cmpd="sng">
+            <a:solidFill>
+              <a:schemeClr val="tx1">
+                <a:lumMod val="95000"/>
+                <a:lumOff val="5000"/>
+              </a:schemeClr>
+            </a:solidFill>
+            <a:tailEnd type="triangle"/>
+          </a:ln>
+          <a:effectLst/>
+        </p:spPr>
+        <p:style>
+          <a:lnRef idx="2">
+            <a:schemeClr val="accent1"/>
+          </a:lnRef>
+          <a:fillRef idx="0">
+            <a:schemeClr val="accent1"/>
+          </a:fillRef>
+          <a:effectRef idx="1">
+            <a:schemeClr val="accent1"/>
+          </a:effectRef>
+          <a:fontRef idx="minor">
+            <a:schemeClr val="tx1"/>
+          </a:fontRef>
+        </p:style>
+      </p:cxnSp>
+      <p:cxnSp>
+        <p:nvCxnSpPr>
+          <p:cNvPr id="25" name="Elbow Connector 24"/>
+          <p:cNvCxnSpPr>
+            <a:stCxn id="23" idx="0"/>
+            <a:endCxn id="17" idx="0"/>
+          </p:cNvCxnSpPr>
+          <p:nvPr/>
+        </p:nvCxnSpPr>
+        <p:spPr>
+          <a:xfrm rot="5400000" flipH="1" flipV="1">
+            <a:off x="3943350" y="1581150"/>
+            <a:ext cx="12700" cy="4152900"/>
+          </a:xfrm>
+          <a:prstGeom prst="bentConnector3">
+            <a:avLst>
+              <a:gd name="adj1" fmla="val 1800000"/>
+            </a:avLst>
+          </a:prstGeom>
+          <a:ln w="19050">
+            <a:solidFill>
+              <a:schemeClr val="tx1"/>
+            </a:solidFill>
+            <a:tailEnd type="triangle"/>
+          </a:ln>
+          <a:effectLst/>
+        </p:spPr>
+        <p:style>
+          <a:lnRef idx="2">
+            <a:schemeClr val="accent1"/>
+          </a:lnRef>
+          <a:fillRef idx="0">
+            <a:schemeClr val="accent1"/>
+          </a:fillRef>
+          <a:effectRef idx="1">
+            <a:schemeClr val="accent1"/>
+          </a:effectRef>
+          <a:fontRef idx="minor">
+            <a:schemeClr val="tx1"/>
+          </a:fontRef>
+        </p:style>
+      </p:cxnSp>
+      <p:sp>
+        <p:nvSpPr>
+          <p:cNvPr id="27" name="TextBox 26"/>
+          <p:cNvSpPr txBox="1"/>
+          <p:nvPr/>
+        </p:nvSpPr>
+        <p:spPr>
+          <a:xfrm>
+            <a:off x="3505200" y="3152001"/>
+            <a:ext cx="1219200" cy="276999"/>
+          </a:xfrm>
+          <a:prstGeom prst="rect">
+            <a:avLst/>
+          </a:prstGeom>
+          <a:noFill/>
+        </p:spPr>
+        <p:txBody>
+          <a:bodyPr wrap="square" rtlCol="0">
+            <a:spAutoFit/>
+          </a:bodyPr>
+          <a:lstStyle/>
+          <a:p>
+            <a:r>
+              <a:rPr lang="en-US" sz="1200" dirty="0" smtClean="0"/>
+              <a:t>Feature Sets</a:t>
+            </a:r>
+            <a:endParaRPr lang="en-US" sz="1200" dirty="0"/>
+          </a:p>
+        </p:txBody>
+      </p:sp>
+      <p:cxnSp>
+        <p:nvCxnSpPr>
+          <p:cNvPr id="28" name="Straight Arrow Connector 27"/>
+          <p:cNvCxnSpPr>
+            <a:stCxn id="17" idx="2"/>
+            <a:endCxn id="33" idx="0"/>
+          </p:cNvCxnSpPr>
+          <p:nvPr/>
+        </p:nvCxnSpPr>
+        <p:spPr>
+          <a:xfrm>
+            <a:off x="6019800" y="4273550"/>
+            <a:ext cx="0" cy="222250"/>
+          </a:xfrm>
+          <a:prstGeom prst="straightConnector1">
+            <a:avLst/>
+          </a:prstGeom>
+          <a:ln w="19050" cmpd="sng">
+            <a:solidFill>
+              <a:schemeClr val="tx1">
+                <a:lumMod val="95000"/>
+                <a:lumOff val="5000"/>
+              </a:schemeClr>
+            </a:solidFill>
+            <a:tailEnd type="triangle"/>
+          </a:ln>
+          <a:effectLst/>
+        </p:spPr>
+        <p:style>
+          <a:lnRef idx="2">
+            <a:schemeClr val="accent1"/>
+          </a:lnRef>
+          <a:fillRef idx="0">
+            <a:schemeClr val="accent1"/>
+          </a:fillRef>
+          <a:effectRef idx="1">
+            <a:schemeClr val="accent1"/>
+          </a:effectRef>
+          <a:fontRef idx="minor">
+            <a:schemeClr val="tx1"/>
+          </a:fontRef>
+        </p:style>
+      </p:cxnSp>
+      <p:sp>
+        <p:nvSpPr>
+          <p:cNvPr id="29" name="TextBox 28"/>
+          <p:cNvSpPr txBox="1"/>
+          <p:nvPr/>
+        </p:nvSpPr>
+        <p:spPr>
+          <a:xfrm>
+            <a:off x="2743200" y="4292022"/>
+            <a:ext cx="1371600" cy="276999"/>
+          </a:xfrm>
+          <a:prstGeom prst="rect">
+            <a:avLst/>
+          </a:prstGeom>
+          <a:noFill/>
+        </p:spPr>
+        <p:txBody>
+          <a:bodyPr wrap="square" rtlCol="0">
+            <a:spAutoFit/>
+          </a:bodyPr>
+          <a:lstStyle/>
+          <a:p>
+            <a:pPr algn="ctr"/>
+            <a:r>
+              <a:rPr lang="en-US" sz="1200" dirty="0" smtClean="0"/>
+              <a:t>Connectivity Tree</a:t>
+            </a:r>
+            <a:endParaRPr lang="en-US" sz="1200" dirty="0"/>
+          </a:p>
+        </p:txBody>
+      </p:sp>
+      <p:sp>
+        <p:nvSpPr>
+          <p:cNvPr id="30" name="TextBox 29"/>
+          <p:cNvSpPr txBox="1"/>
+          <p:nvPr/>
+        </p:nvSpPr>
+        <p:spPr>
+          <a:xfrm>
+            <a:off x="4114800" y="4292021"/>
+            <a:ext cx="1581824" cy="276999"/>
+          </a:xfrm>
+          <a:prstGeom prst="rect">
+            <a:avLst/>
+          </a:prstGeom>
+          <a:noFill/>
+        </p:spPr>
+        <p:txBody>
+          <a:bodyPr wrap="square" rtlCol="0">
+            <a:spAutoFit/>
+          </a:bodyPr>
+          <a:lstStyle/>
+          <a:p>
+            <a:pPr algn="ctr"/>
+            <a:r>
+              <a:rPr lang="en-US" sz="1200" dirty="0" smtClean="0"/>
+              <a:t>Connectivity Graph</a:t>
+            </a:r>
+            <a:endParaRPr lang="en-US" sz="1200" dirty="0"/>
+          </a:p>
+        </p:txBody>
+      </p:sp>
+      <p:sp>
+        <p:nvSpPr>
+          <p:cNvPr id="31" name="Line Callout 2 (No Border) 30"/>
+          <p:cNvSpPr/>
+          <p:nvPr/>
+        </p:nvSpPr>
+        <p:spPr>
+          <a:xfrm rot="10800000">
+            <a:off x="3179409" y="4197350"/>
+            <a:ext cx="609600" cy="304800"/>
+          </a:xfrm>
+          <a:prstGeom prst="callout2">
+            <a:avLst>
+              <a:gd name="adj1" fmla="val 49743"/>
+              <a:gd name="adj2" fmla="val -30716"/>
+              <a:gd name="adj3" fmla="val 82457"/>
+              <a:gd name="adj4" fmla="val -40772"/>
+              <a:gd name="adj5" fmla="val 141771"/>
+              <a:gd name="adj6" fmla="val -39780"/>
+            </a:avLst>
+          </a:prstGeom>
+          <a:noFill/>
+          <a:ln w="19050" cmpd="sng">
+            <a:solidFill>
+              <a:schemeClr val="tx1">
+                <a:lumMod val="95000"/>
+                <a:lumOff val="5000"/>
+              </a:schemeClr>
+            </a:solidFill>
+            <a:prstDash val="sysDot"/>
+            <a:headEnd type="none" w="sm" len="sm"/>
+            <a:tailEnd type="none"/>
+          </a:ln>
+          <a:effectLst/>
+        </p:spPr>
+        <p:style>
+          <a:lnRef idx="1">
+            <a:schemeClr val="accent1"/>
+          </a:lnRef>
+          <a:fillRef idx="3">
+            <a:schemeClr val="accent1"/>
+          </a:fillRef>
+          <a:effectRef idx="2">
+            <a:schemeClr val="accent1"/>
+          </a:effectRef>
+          <a:fontRef idx="minor">
+            <a:schemeClr val="lt1"/>
+          </a:fontRef>
+        </p:style>
+        <p:txBody>
+          <a:bodyPr rtlCol="0" anchor="ctr"/>
+          <a:lstStyle/>
+          <a:p>
+            <a:pPr algn="ctr"/>
+            <a:endParaRPr lang="en-US" dirty="0" smtClean="0">
+              <a:solidFill>
+                <a:schemeClr val="tx1"/>
+              </a:solidFill>
+            </a:endParaRPr>
+          </a:p>
+        </p:txBody>
+      </p:sp>
+      <p:sp>
+        <p:nvSpPr>
+          <p:cNvPr id="32" name="Line Callout 2 (No Border) 31"/>
+          <p:cNvSpPr/>
+          <p:nvPr/>
+        </p:nvSpPr>
+        <p:spPr>
+          <a:xfrm rot="10800000">
+            <a:off x="4708657" y="4197350"/>
+            <a:ext cx="609600" cy="304800"/>
+          </a:xfrm>
+          <a:prstGeom prst="callout2">
+            <a:avLst>
+              <a:gd name="adj1" fmla="val 49743"/>
+              <a:gd name="adj2" fmla="val -30716"/>
+              <a:gd name="adj3" fmla="val 82457"/>
+              <a:gd name="adj4" fmla="val -40772"/>
+              <a:gd name="adj5" fmla="val 141771"/>
+              <a:gd name="adj6" fmla="val -39780"/>
+            </a:avLst>
+          </a:prstGeom>
+          <a:noFill/>
+          <a:ln w="19050" cmpd="sng">
+            <a:solidFill>
+              <a:schemeClr val="tx1">
+                <a:lumMod val="95000"/>
+                <a:lumOff val="5000"/>
+              </a:schemeClr>
+            </a:solidFill>
+            <a:prstDash val="sysDot"/>
+            <a:headEnd type="none" w="sm" len="sm"/>
+          </a:ln>
+          <a:effectLst/>
+        </p:spPr>
+        <p:style>
+          <a:lnRef idx="1">
+            <a:schemeClr val="accent1"/>
+          </a:lnRef>
+          <a:fillRef idx="3">
+            <a:schemeClr val="accent1"/>
+          </a:fillRef>
+          <a:effectRef idx="2">
+            <a:schemeClr val="accent1"/>
+          </a:effectRef>
+          <a:fontRef idx="minor">
+            <a:schemeClr val="lt1"/>
+          </a:fontRef>
+        </p:style>
+        <p:txBody>
+          <a:bodyPr rtlCol="0" anchor="ctr"/>
+          <a:lstStyle/>
+          <a:p>
+            <a:pPr algn="ctr"/>
+            <a:endParaRPr lang="en-US" dirty="0" smtClean="0">
+              <a:solidFill>
+                <a:schemeClr val="tx1"/>
+              </a:solidFill>
+            </a:endParaRPr>
+          </a:p>
+        </p:txBody>
+      </p:sp>
+      <p:sp>
+        <p:nvSpPr>
+          <p:cNvPr id="33" name="TextBox 32"/>
+          <p:cNvSpPr txBox="1"/>
+          <p:nvPr/>
+        </p:nvSpPr>
+        <p:spPr>
+          <a:xfrm>
+            <a:off x="5638800" y="4495800"/>
+            <a:ext cx="762000" cy="461665"/>
+          </a:xfrm>
+          <a:prstGeom prst="rect">
+            <a:avLst/>
+          </a:prstGeom>
+          <a:noFill/>
+        </p:spPr>
+        <p:txBody>
+          <a:bodyPr wrap="square" rtlCol="0">
+            <a:spAutoFit/>
+          </a:bodyPr>
+          <a:lstStyle/>
+          <a:p>
+            <a:pPr algn="ctr"/>
+            <a:r>
+              <a:rPr lang="en-US" sz="1200" dirty="0" smtClean="0"/>
+              <a:t>Storage</a:t>
+            </a:r>
+            <a:br>
+              <a:rPr lang="en-US" sz="1200" dirty="0" smtClean="0"/>
+            </a:br>
+            <a:r>
+              <a:rPr lang="en-US" sz="1200" dirty="0" smtClean="0"/>
+              <a:t>Display</a:t>
+            </a:r>
+            <a:endParaRPr lang="en-US" sz="1200" dirty="0"/>
+          </a:p>
+        </p:txBody>
+      </p:sp>
+      <p:sp>
+        <p:nvSpPr>
+          <p:cNvPr id="17" name="Rectangle 16"/>
+          <p:cNvSpPr/>
+          <p:nvPr/>
+        </p:nvSpPr>
+        <p:spPr>
+          <a:xfrm>
+            <a:off x="5638800" y="3657600"/>
+            <a:ext cx="762000" cy="615950"/>
+          </a:xfrm>
+          <a:prstGeom prst="rect">
+            <a:avLst/>
+          </a:prstGeom>
+          <a:solidFill>
+            <a:schemeClr val="bg1"/>
+          </a:solidFill>
+          <a:ln w="19050" cmpd="sng">
+            <a:solidFill>
+              <a:schemeClr val="tx1">
+                <a:lumMod val="95000"/>
+                <a:lumOff val="5000"/>
+              </a:schemeClr>
+            </a:solidFill>
+          </a:ln>
+          <a:effectLst/>
+        </p:spPr>
+        <p:style>
+          <a:lnRef idx="1">
+            <a:schemeClr val="accent1"/>
+          </a:lnRef>
+          <a:fillRef idx="3">
+            <a:schemeClr val="accent1"/>
+          </a:fillRef>
+          <a:effectRef idx="2">
+            <a:schemeClr val="accent1"/>
+          </a:effectRef>
+          <a:fontRef idx="minor">
+            <a:schemeClr val="lt1"/>
+          </a:fontRef>
+        </p:style>
+        <p:txBody>
+          <a:bodyPr rtlCol="0" anchor="ctr"/>
+          <a:lstStyle/>
+          <a:p>
+            <a:pPr algn="ctr"/>
+            <a:r>
+              <a:rPr lang="en-US" sz="1300" dirty="0" smtClean="0">
+                <a:solidFill>
+                  <a:schemeClr val="tx1"/>
+                </a:solidFill>
+              </a:rPr>
+              <a:t>Feature</a:t>
+            </a:r>
+          </a:p>
+          <a:p>
+            <a:pPr algn="ctr"/>
+            <a:r>
+              <a:rPr lang="en-US" sz="1300" dirty="0" smtClean="0">
+                <a:solidFill>
+                  <a:schemeClr val="tx1"/>
+                </a:solidFill>
+              </a:rPr>
+              <a:t>Tracking</a:t>
+            </a:r>
+            <a:endParaRPr lang="en-US" sz="1300" dirty="0">
+              <a:solidFill>
+                <a:schemeClr val="tx1"/>
+              </a:solidFill>
+            </a:endParaRPr>
+          </a:p>
+        </p:txBody>
+      </p:sp>
+      <p:cxnSp>
+        <p:nvCxnSpPr>
+          <p:cNvPr id="46" name="Elbow Connector 45"/>
+          <p:cNvCxnSpPr/>
+          <p:nvPr/>
+        </p:nvCxnSpPr>
+        <p:spPr>
+          <a:xfrm rot="10800000" flipV="1">
+            <a:off x="2667001" y="4272448"/>
+            <a:ext cx="3079493" cy="604352"/>
+          </a:xfrm>
+          <a:prstGeom prst="bentConnector3">
+            <a:avLst>
+              <a:gd name="adj1" fmla="val 1431"/>
+            </a:avLst>
+          </a:prstGeom>
+          <a:ln w="19050">
+            <a:solidFill>
+              <a:schemeClr val="tx1"/>
+            </a:solidFill>
+            <a:tailEnd type="none"/>
+          </a:ln>
+          <a:effectLst/>
+        </p:spPr>
+        <p:style>
+          <a:lnRef idx="2">
+            <a:schemeClr val="accent1"/>
+          </a:lnRef>
+          <a:fillRef idx="0">
+            <a:schemeClr val="accent1"/>
+          </a:fillRef>
+          <a:effectRef idx="1">
+            <a:schemeClr val="accent1"/>
+          </a:effectRef>
+          <a:fontRef idx="minor">
+            <a:schemeClr val="tx1"/>
+          </a:fontRef>
+        </p:style>
+      </p:cxnSp>
+      <p:cxnSp>
+        <p:nvCxnSpPr>
+          <p:cNvPr id="53" name="Straight Arrow Connector 52"/>
+          <p:cNvCxnSpPr/>
+          <p:nvPr/>
+        </p:nvCxnSpPr>
+        <p:spPr>
+          <a:xfrm flipV="1">
+            <a:off x="2667000" y="4267200"/>
+            <a:ext cx="1" cy="609598"/>
+          </a:xfrm>
+          <a:prstGeom prst="straightConnector1">
+            <a:avLst/>
+          </a:prstGeom>
+          <a:ln w="19050" cmpd="sng">
+            <a:solidFill>
+              <a:schemeClr val="tx1">
+                <a:lumMod val="95000"/>
+                <a:lumOff val="5000"/>
+              </a:schemeClr>
+            </a:solidFill>
+            <a:tailEnd type="triangle"/>
+          </a:ln>
+          <a:effectLst/>
+        </p:spPr>
+        <p:style>
+          <a:lnRef idx="2">
+            <a:schemeClr val="accent1"/>
+          </a:lnRef>
+          <a:fillRef idx="0">
+            <a:schemeClr val="accent1"/>
+          </a:fillRef>
+          <a:effectRef idx="1">
+            <a:schemeClr val="accent1"/>
+          </a:effectRef>
+          <a:fontRef idx="minor">
+            <a:schemeClr val="tx1"/>
+          </a:fontRef>
+        </p:style>
+      </p:cxnSp>
+      <p:sp>
+        <p:nvSpPr>
+          <p:cNvPr id="2" name="Rectangle 1"/>
+          <p:cNvSpPr/>
+          <p:nvPr/>
+        </p:nvSpPr>
+        <p:spPr>
+          <a:xfrm>
+            <a:off x="1219200" y="3200400"/>
+            <a:ext cx="5257800" cy="1828800"/>
+          </a:xfrm>
+          <a:prstGeom prst="rect">
+            <a:avLst/>
+          </a:prstGeom>
+          <a:noFill/>
+          <a:ln w="19050" cmpd="sng">
+            <a:noFill/>
+          </a:ln>
+          <a:effectLst/>
+        </p:spPr>
+        <p:style>
+          <a:lnRef idx="1">
+            <a:schemeClr val="accent1"/>
+          </a:lnRef>
+          <a:fillRef idx="3">
+            <a:schemeClr val="accent1"/>
+          </a:fillRef>
+          <a:effectRef idx="2">
+            <a:schemeClr val="accent1"/>
+          </a:effectRef>
+          <a:fontRef idx="minor">
+            <a:schemeClr val="lt1"/>
+          </a:fontRef>
+        </p:style>
+        <p:txBody>
+          <a:bodyPr rtlCol="0" anchor="ctr"/>
+          <a:lstStyle/>
+          <a:p>
+            <a:pPr algn="ctr"/>
+            <a:endParaRPr lang="en-US" dirty="0" smtClean="0">
+              <a:solidFill>
+                <a:schemeClr val="tx1"/>
+              </a:solidFill>
+            </a:endParaRPr>
+          </a:p>
+        </p:txBody>
+      </p:sp>
+    </p:spTree>
+    <p:extLst>
+      <p:ext uri="{BB962C8B-B14F-4D97-AF65-F5344CB8AC3E}">
+        <p14:creationId xmlns:p14="http://schemas.microsoft.com/office/powerpoint/2010/main" val="1066817864"/>
+      </p:ext>
+    </p:extLst>
+  </p:cSld>
+  <p:clrMapOvr>
+    <a:masterClrMapping/>
+  </p:clrMapOvr>
+  <p:timing>
+    <p:tnLst>
+      <p:par>
+        <p:cTn xmlns:p14="http://schemas.microsoft.com/office/powerpoint/2010/main" id="1" dur="indefinite" restart="never" nodeType="tmRoot"/>
+      </p:par>
+    </p:tnLst>
+  </p:timing>
+</p:sld>
+</file>
+
+<file path=ppt/slides/slide4.xml><?xml version="1.0" encoding="utf-8"?>
+<p:sld xmlns:a="http://schemas.openxmlformats.org/drawingml/2006/main" xmlns:r="http://schemas.openxmlformats.org/officeDocument/2006/relationships" xmlns:p="http://schemas.openxmlformats.org/presentationml/2006/main">
+  <p:cSld>
+    <p:spTree>
+      <p:nvGrpSpPr>
+        <p:cNvPr id="1" name=""/>
+        <p:cNvGrpSpPr/>
+        <p:nvPr/>
+      </p:nvGrpSpPr>
+      <p:grpSpPr>
+        <a:xfrm>
+          <a:off x="0" y="0"/>
+          <a:ext cx="0" cy="0"/>
+          <a:chOff x="0" y="0"/>
+          <a:chExt cx="0" cy="0"/>
+        </a:xfrm>
+      </p:grpSpPr>
+      <p:sp>
+        <p:nvSpPr>
+          <p:cNvPr id="22" name="Rectangle 21"/>
+          <p:cNvSpPr/>
+          <p:nvPr/>
+        </p:nvSpPr>
+        <p:spPr>
+          <a:xfrm>
+            <a:off x="2134230" y="745501"/>
+            <a:ext cx="1828800" cy="1828800"/>
+          </a:xfrm>
+          <a:prstGeom prst="rect">
+            <a:avLst/>
+          </a:prstGeom>
+          <a:solidFill>
+            <a:schemeClr val="accent3">
+              <a:lumMod val="20000"/>
+              <a:lumOff val="80000"/>
+            </a:schemeClr>
+          </a:solidFill>
+          <a:ln>
+            <a:solidFill>
+              <a:schemeClr val="tx1"/>
+            </a:solidFill>
+          </a:ln>
+        </p:spPr>
+        <p:style>
+          <a:lnRef idx="2">
+            <a:schemeClr val="accent1">
+              <a:shade val="50000"/>
+            </a:schemeClr>
+          </a:lnRef>
+          <a:fillRef idx="1">
+            <a:schemeClr val="accent1"/>
+          </a:fillRef>
+          <a:effectRef idx="0">
+            <a:schemeClr val="accent1"/>
+          </a:effectRef>
+          <a:fontRef idx="minor">
+            <a:schemeClr val="lt1"/>
+          </a:fontRef>
+        </p:style>
+        <p:txBody>
+          <a:bodyPr rtlCol="0" anchor="ctr"/>
+          <a:lstStyle/>
+          <a:p>
+            <a:pPr algn="ctr"/>
+            <a:endParaRPr lang="en-US"/>
+          </a:p>
+        </p:txBody>
+      </p:sp>
+      <p:sp>
+        <p:nvSpPr>
+          <p:cNvPr id="23" name="Rectangle 22"/>
+          <p:cNvSpPr/>
+          <p:nvPr/>
+        </p:nvSpPr>
+        <p:spPr>
+          <a:xfrm>
+            <a:off x="3963030" y="745501"/>
+            <a:ext cx="1828800" cy="1828800"/>
+          </a:xfrm>
+          <a:prstGeom prst="rect">
+            <a:avLst/>
+          </a:prstGeom>
+          <a:solidFill>
+            <a:schemeClr val="accent4">
+              <a:lumMod val="20000"/>
+              <a:lumOff val="80000"/>
+            </a:schemeClr>
+          </a:solidFill>
+          <a:ln>
+            <a:solidFill>
+              <a:schemeClr val="tx1"/>
+            </a:solidFill>
+          </a:ln>
+        </p:spPr>
+        <p:style>
+          <a:lnRef idx="2">
+            <a:schemeClr val="accent1">
+              <a:shade val="50000"/>
+            </a:schemeClr>
+          </a:lnRef>
+          <a:fillRef idx="1">
+            <a:schemeClr val="accent1"/>
+          </a:fillRef>
+          <a:effectRef idx="0">
+            <a:schemeClr val="accent1"/>
+          </a:effectRef>
+          <a:fontRef idx="minor">
+            <a:schemeClr val="lt1"/>
+          </a:fontRef>
+        </p:style>
+        <p:txBody>
+          <a:bodyPr rtlCol="0" anchor="ctr"/>
+          <a:lstStyle/>
+          <a:p>
+            <a:pPr algn="ctr"/>
+            <a:endParaRPr lang="en-US"/>
+          </a:p>
+        </p:txBody>
+      </p:sp>
+      <p:sp>
+        <p:nvSpPr>
+          <p:cNvPr id="21" name="Isosceles Triangle 20"/>
+          <p:cNvSpPr/>
+          <p:nvPr/>
+        </p:nvSpPr>
+        <p:spPr>
+          <a:xfrm>
+            <a:off x="3810000" y="533400"/>
+            <a:ext cx="685800" cy="729002"/>
+          </a:xfrm>
+          <a:prstGeom prst="triangle">
+            <a:avLst/>
+          </a:prstGeom>
+          <a:pattFill prst="ltUpDiag">
+            <a:fgClr>
+              <a:schemeClr val="accent6">
+                <a:lumMod val="60000"/>
+                <a:lumOff val="40000"/>
+              </a:schemeClr>
+            </a:fgClr>
+            <a:bgClr>
+              <a:schemeClr val="accent6">
+                <a:lumMod val="20000"/>
+                <a:lumOff val="80000"/>
+              </a:schemeClr>
+            </a:bgClr>
+          </a:pattFill>
+          <a:ln w="12700">
+            <a:solidFill>
+              <a:schemeClr val="accent6">
+                <a:lumMod val="50000"/>
+              </a:schemeClr>
+            </a:solidFill>
+          </a:ln>
+        </p:spPr>
+        <p:style>
+          <a:lnRef idx="2">
+            <a:schemeClr val="accent1">
+              <a:shade val="50000"/>
+            </a:schemeClr>
+          </a:lnRef>
+          <a:fillRef idx="1">
+            <a:schemeClr val="accent1"/>
+          </a:fillRef>
+          <a:effectRef idx="0">
+            <a:schemeClr val="accent1"/>
+          </a:effectRef>
+          <a:fontRef idx="minor">
+            <a:schemeClr val="lt1"/>
+          </a:fontRef>
+        </p:style>
+        <p:txBody>
+          <a:bodyPr rtlCol="0" anchor="ctr"/>
+          <a:lstStyle/>
+          <a:p>
+            <a:pPr algn="ctr"/>
+            <a:endParaRPr lang="en-US"/>
+          </a:p>
+        </p:txBody>
+      </p:sp>
+      <p:sp>
+        <p:nvSpPr>
+          <p:cNvPr id="18" name="Flowchart: Punched Tape 17"/>
+          <p:cNvSpPr/>
+          <p:nvPr/>
+        </p:nvSpPr>
+        <p:spPr>
+          <a:xfrm rot="18937934">
+            <a:off x="2386773" y="669300"/>
+            <a:ext cx="762000" cy="381000"/>
+          </a:xfrm>
+          <a:prstGeom prst="flowChartPunchedTape">
+            <a:avLst/>
+          </a:prstGeom>
+          <a:pattFill prst="ltHorz">
+            <a:fgClr>
+              <a:srgbClr val="FFFF00"/>
+            </a:fgClr>
+            <a:bgClr>
+              <a:schemeClr val="accent1">
+                <a:lumMod val="40000"/>
+                <a:lumOff val="60000"/>
+              </a:schemeClr>
+            </a:bgClr>
+          </a:pattFill>
+          <a:ln w="12700">
+            <a:solidFill>
+              <a:schemeClr val="accent1">
+                <a:lumMod val="50000"/>
+              </a:schemeClr>
+            </a:solidFill>
+          </a:ln>
+        </p:spPr>
+        <p:style>
+          <a:lnRef idx="2">
+            <a:schemeClr val="accent1">
+              <a:shade val="50000"/>
+            </a:schemeClr>
+          </a:lnRef>
+          <a:fillRef idx="1">
+            <a:schemeClr val="accent1"/>
+          </a:fillRef>
+          <a:effectRef idx="0">
+            <a:schemeClr val="accent1"/>
+          </a:effectRef>
+          <a:fontRef idx="minor">
+            <a:schemeClr val="lt1"/>
+          </a:fontRef>
+        </p:style>
+        <p:txBody>
+          <a:bodyPr rtlCol="0" anchor="ctr"/>
+          <a:lstStyle/>
+          <a:p>
+            <a:pPr algn="ctr"/>
+            <a:endParaRPr lang="en-US"/>
+          </a:p>
+        </p:txBody>
+      </p:sp>
+      <p:sp>
+        <p:nvSpPr>
+          <p:cNvPr id="19" name="Flowchart: Punched Tape 18"/>
+          <p:cNvSpPr/>
+          <p:nvPr/>
+        </p:nvSpPr>
+        <p:spPr>
+          <a:xfrm rot="857979">
+            <a:off x="2984289" y="2010655"/>
+            <a:ext cx="1508979" cy="290413"/>
+          </a:xfrm>
+          <a:prstGeom prst="flowChartPunchedTape">
+            <a:avLst/>
+          </a:prstGeom>
+          <a:pattFill prst="ltDnDiag">
+            <a:fgClr>
+              <a:schemeClr val="accent5"/>
+            </a:fgClr>
+            <a:bgClr>
+              <a:schemeClr val="accent5">
+                <a:lumMod val="60000"/>
+                <a:lumOff val="40000"/>
+              </a:schemeClr>
+            </a:bgClr>
+          </a:pattFill>
+          <a:ln w="12700">
+            <a:solidFill>
+              <a:schemeClr val="accent5">
+                <a:lumMod val="50000"/>
+              </a:schemeClr>
+            </a:solidFill>
+          </a:ln>
+        </p:spPr>
+        <p:style>
+          <a:lnRef idx="2">
+            <a:schemeClr val="accent1">
+              <a:shade val="50000"/>
+            </a:schemeClr>
+          </a:lnRef>
+          <a:fillRef idx="1">
+            <a:schemeClr val="accent1"/>
+          </a:fillRef>
+          <a:effectRef idx="0">
+            <a:schemeClr val="accent1"/>
+          </a:effectRef>
+          <a:fontRef idx="minor">
+            <a:schemeClr val="lt1"/>
+          </a:fontRef>
+        </p:style>
+        <p:txBody>
+          <a:bodyPr rtlCol="0" anchor="ctr"/>
+          <a:lstStyle/>
+          <a:p>
+            <a:pPr algn="ctr"/>
+            <a:endParaRPr lang="en-US"/>
+          </a:p>
+        </p:txBody>
+      </p:sp>
+      <p:sp>
+        <p:nvSpPr>
+          <p:cNvPr id="20" name="Oval 19"/>
+          <p:cNvSpPr/>
+          <p:nvPr/>
+        </p:nvSpPr>
+        <p:spPr>
+          <a:xfrm>
+            <a:off x="3429000" y="1524000"/>
+            <a:ext cx="762000" cy="228600"/>
+          </a:xfrm>
+          <a:prstGeom prst="ellipse">
+            <a:avLst/>
+          </a:prstGeom>
+          <a:pattFill prst="ltVert">
+            <a:fgClr>
+              <a:schemeClr val="accent2">
+                <a:lumMod val="75000"/>
+              </a:schemeClr>
+            </a:fgClr>
+            <a:bgClr>
+              <a:schemeClr val="accent2">
+                <a:lumMod val="60000"/>
+                <a:lumOff val="40000"/>
+              </a:schemeClr>
+            </a:bgClr>
+          </a:pattFill>
+          <a:ln w="12700">
+            <a:solidFill>
+              <a:schemeClr val="accent2">
+                <a:lumMod val="50000"/>
+              </a:schemeClr>
+            </a:solidFill>
+          </a:ln>
+        </p:spPr>
+        <p:style>
+          <a:lnRef idx="2">
+            <a:schemeClr val="accent1">
+              <a:shade val="50000"/>
+            </a:schemeClr>
+          </a:lnRef>
+          <a:fillRef idx="1">
+            <a:schemeClr val="accent1"/>
+          </a:fillRef>
+          <a:effectRef idx="0">
+            <a:schemeClr val="accent1"/>
+          </a:effectRef>
+          <a:fontRef idx="minor">
+            <a:schemeClr val="lt1"/>
+          </a:fontRef>
+        </p:style>
+        <p:txBody>
+          <a:bodyPr rtlCol="0" anchor="ctr"/>
+          <a:lstStyle/>
+          <a:p>
+            <a:pPr algn="ctr"/>
+            <a:endParaRPr lang="en-US"/>
+          </a:p>
+        </p:txBody>
+      </p:sp>
+      <p:sp>
+        <p:nvSpPr>
+          <p:cNvPr id="9" name="Rectangle 8"/>
+          <p:cNvSpPr/>
+          <p:nvPr/>
+        </p:nvSpPr>
+        <p:spPr>
+          <a:xfrm>
+            <a:off x="2133600" y="745501"/>
+            <a:ext cx="1828800" cy="1828800"/>
+          </a:xfrm>
+          <a:prstGeom prst="rect">
+            <a:avLst/>
+          </a:prstGeom>
+          <a:noFill/>
+          <a:ln>
+            <a:solidFill>
+              <a:schemeClr val="tx1"/>
+            </a:solidFill>
+          </a:ln>
+        </p:spPr>
+        <p:style>
+          <a:lnRef idx="2">
+            <a:schemeClr val="accent1">
+              <a:shade val="50000"/>
+            </a:schemeClr>
+          </a:lnRef>
+          <a:fillRef idx="1">
+            <a:schemeClr val="accent1"/>
+          </a:fillRef>
+          <a:effectRef idx="0">
+            <a:schemeClr val="accent1"/>
+          </a:effectRef>
+          <a:fontRef idx="minor">
+            <a:schemeClr val="lt1"/>
+          </a:fontRef>
+        </p:style>
+        <p:txBody>
+          <a:bodyPr rtlCol="0" anchor="ctr"/>
+          <a:lstStyle/>
+          <a:p>
+            <a:pPr algn="ctr"/>
+            <a:endParaRPr lang="en-US"/>
+          </a:p>
+        </p:txBody>
+      </p:sp>
+      <p:sp>
+        <p:nvSpPr>
+          <p:cNvPr id="10" name="Rectangle 9"/>
+          <p:cNvSpPr/>
+          <p:nvPr/>
+        </p:nvSpPr>
+        <p:spPr>
+          <a:xfrm>
+            <a:off x="3961108" y="745501"/>
+            <a:ext cx="1828800" cy="1828800"/>
+          </a:xfrm>
+          <a:prstGeom prst="rect">
+            <a:avLst/>
+          </a:prstGeom>
+          <a:noFill/>
+          <a:ln>
+            <a:solidFill>
+              <a:schemeClr val="tx1"/>
+            </a:solidFill>
+          </a:ln>
+        </p:spPr>
+        <p:style>
+          <a:lnRef idx="2">
+            <a:schemeClr val="accent1">
+              <a:shade val="50000"/>
+            </a:schemeClr>
+          </a:lnRef>
+          <a:fillRef idx="1">
+            <a:schemeClr val="accent1"/>
+          </a:fillRef>
+          <a:effectRef idx="0">
+            <a:schemeClr val="accent1"/>
+          </a:effectRef>
+          <a:fontRef idx="minor">
+            <a:schemeClr val="lt1"/>
+          </a:fontRef>
+        </p:style>
+        <p:txBody>
+          <a:bodyPr rtlCol="0" anchor="ctr"/>
+          <a:lstStyle/>
+          <a:p>
+            <a:pPr algn="ctr"/>
+            <a:endParaRPr lang="en-US"/>
+          </a:p>
+        </p:txBody>
+      </p:sp>
+      <p:cxnSp>
+        <p:nvCxnSpPr>
+          <p:cNvPr id="46" name="Straight Connector 45"/>
+          <p:cNvCxnSpPr>
+            <a:stCxn id="30" idx="4"/>
+            <a:endCxn id="35" idx="0"/>
+          </p:cNvCxnSpPr>
+          <p:nvPr/>
+        </p:nvCxnSpPr>
+        <p:spPr>
+          <a:xfrm>
+            <a:off x="3357103" y="3552437"/>
+            <a:ext cx="7475" cy="345859"/>
+          </a:xfrm>
+          <a:prstGeom prst="line">
+            <a:avLst/>
+          </a:prstGeom>
+          <a:ln>
+            <a:solidFill>
+              <a:schemeClr val="tx1"/>
+            </a:solidFill>
+          </a:ln>
+        </p:spPr>
+        <p:style>
+          <a:lnRef idx="1">
+            <a:schemeClr val="accent1"/>
+          </a:lnRef>
+          <a:fillRef idx="0">
+            <a:schemeClr val="accent1"/>
+          </a:fillRef>
+          <a:effectRef idx="0">
+            <a:schemeClr val="accent1"/>
+          </a:effectRef>
+          <a:fontRef idx="minor">
+            <a:schemeClr val="tx1"/>
+          </a:fontRef>
+        </p:style>
+      </p:cxnSp>
+      <p:cxnSp>
+        <p:nvCxnSpPr>
+          <p:cNvPr id="48" name="Straight Connector 47"/>
+          <p:cNvCxnSpPr>
+            <a:stCxn id="30" idx="4"/>
+            <a:endCxn id="34" idx="7"/>
+          </p:cNvCxnSpPr>
+          <p:nvPr/>
+        </p:nvCxnSpPr>
+        <p:spPr>
+          <a:xfrm flipH="1">
+            <a:off x="3150784" y="3552437"/>
+            <a:ext cx="206319" cy="365946"/>
+          </a:xfrm>
+          <a:prstGeom prst="line">
+            <a:avLst/>
+          </a:prstGeom>
+          <a:ln>
+            <a:solidFill>
+              <a:schemeClr val="tx1"/>
+            </a:solidFill>
+          </a:ln>
+        </p:spPr>
+        <p:style>
+          <a:lnRef idx="1">
+            <a:schemeClr val="accent1"/>
+          </a:lnRef>
+          <a:fillRef idx="0">
+            <a:schemeClr val="accent1"/>
+          </a:fillRef>
+          <a:effectRef idx="0">
+            <a:schemeClr val="accent1"/>
+          </a:effectRef>
+          <a:fontRef idx="minor">
+            <a:schemeClr val="tx1"/>
+          </a:fontRef>
+        </p:style>
+      </p:cxnSp>
+      <p:cxnSp>
+        <p:nvCxnSpPr>
+          <p:cNvPr id="50" name="Straight Connector 49"/>
+          <p:cNvCxnSpPr>
+            <a:stCxn id="30" idx="4"/>
+            <a:endCxn id="36" idx="1"/>
+          </p:cNvCxnSpPr>
+          <p:nvPr/>
+        </p:nvCxnSpPr>
+        <p:spPr>
+          <a:xfrm>
+            <a:off x="3357103" y="3552437"/>
+            <a:ext cx="221269" cy="365946"/>
+          </a:xfrm>
+          <a:prstGeom prst="line">
+            <a:avLst/>
+          </a:prstGeom>
+          <a:ln>
+            <a:solidFill>
+              <a:schemeClr val="tx1"/>
+            </a:solidFill>
+          </a:ln>
+        </p:spPr>
+        <p:style>
+          <a:lnRef idx="1">
+            <a:schemeClr val="accent1"/>
+          </a:lnRef>
+          <a:fillRef idx="0">
+            <a:schemeClr val="accent1"/>
+          </a:fillRef>
+          <a:effectRef idx="0">
+            <a:schemeClr val="accent1"/>
+          </a:effectRef>
+          <a:fontRef idx="minor">
+            <a:schemeClr val="tx1"/>
+          </a:fontRef>
+        </p:style>
+      </p:cxnSp>
+      <p:cxnSp>
+        <p:nvCxnSpPr>
+          <p:cNvPr id="52" name="Straight Connector 51"/>
+          <p:cNvCxnSpPr>
+            <a:endCxn id="33" idx="0"/>
+          </p:cNvCxnSpPr>
+          <p:nvPr/>
+        </p:nvCxnSpPr>
+        <p:spPr>
+          <a:xfrm>
+            <a:off x="2904741" y="3552437"/>
+            <a:ext cx="0" cy="345859"/>
+          </a:xfrm>
+          <a:prstGeom prst="line">
+            <a:avLst/>
+          </a:prstGeom>
+          <a:ln>
+            <a:solidFill>
+              <a:schemeClr val="tx1"/>
+            </a:solidFill>
+          </a:ln>
+        </p:spPr>
+        <p:style>
+          <a:lnRef idx="1">
+            <a:schemeClr val="accent1"/>
+          </a:lnRef>
+          <a:fillRef idx="0">
+            <a:schemeClr val="accent1"/>
+          </a:fillRef>
+          <a:effectRef idx="0">
+            <a:schemeClr val="accent1"/>
+          </a:effectRef>
+          <a:fontRef idx="minor">
+            <a:schemeClr val="tx1"/>
+          </a:fontRef>
+        </p:style>
+      </p:cxnSp>
+      <p:cxnSp>
+        <p:nvCxnSpPr>
+          <p:cNvPr id="65" name="Straight Connector 64"/>
+          <p:cNvCxnSpPr>
+            <a:endCxn id="63" idx="0"/>
+          </p:cNvCxnSpPr>
+          <p:nvPr/>
+        </p:nvCxnSpPr>
+        <p:spPr>
+          <a:xfrm>
+            <a:off x="4547733" y="3552437"/>
+            <a:ext cx="7475" cy="345859"/>
+          </a:xfrm>
+          <a:prstGeom prst="line">
+            <a:avLst/>
+          </a:prstGeom>
+          <a:ln>
+            <a:solidFill>
+              <a:schemeClr val="tx1"/>
+            </a:solidFill>
+          </a:ln>
+        </p:spPr>
+        <p:style>
+          <a:lnRef idx="1">
+            <a:schemeClr val="accent1"/>
+          </a:lnRef>
+          <a:fillRef idx="0">
+            <a:schemeClr val="accent1"/>
+          </a:fillRef>
+          <a:effectRef idx="0">
+            <a:schemeClr val="accent1"/>
+          </a:effectRef>
+          <a:fontRef idx="minor">
+            <a:schemeClr val="tx1"/>
+          </a:fontRef>
+        </p:style>
+      </p:cxnSp>
+      <p:cxnSp>
+        <p:nvCxnSpPr>
+          <p:cNvPr id="66" name="Straight Connector 65"/>
+          <p:cNvCxnSpPr>
+            <a:endCxn id="62" idx="7"/>
+          </p:cNvCxnSpPr>
+          <p:nvPr/>
+        </p:nvCxnSpPr>
+        <p:spPr>
+          <a:xfrm flipH="1">
+            <a:off x="4341414" y="3552437"/>
+            <a:ext cx="206319" cy="365946"/>
+          </a:xfrm>
+          <a:prstGeom prst="line">
+            <a:avLst/>
+          </a:prstGeom>
+          <a:ln>
+            <a:solidFill>
+              <a:schemeClr val="tx1"/>
+            </a:solidFill>
+          </a:ln>
+        </p:spPr>
+        <p:style>
+          <a:lnRef idx="1">
+            <a:schemeClr val="accent1"/>
+          </a:lnRef>
+          <a:fillRef idx="0">
+            <a:schemeClr val="accent1"/>
+          </a:fillRef>
+          <a:effectRef idx="0">
+            <a:schemeClr val="accent1"/>
+          </a:effectRef>
+          <a:fontRef idx="minor">
+            <a:schemeClr val="tx1"/>
+          </a:fontRef>
+        </p:style>
+      </p:cxnSp>
+      <p:cxnSp>
+        <p:nvCxnSpPr>
+          <p:cNvPr id="67" name="Straight Connector 66"/>
+          <p:cNvCxnSpPr>
+            <a:endCxn id="64" idx="1"/>
+          </p:cNvCxnSpPr>
+          <p:nvPr/>
+        </p:nvCxnSpPr>
+        <p:spPr>
+          <a:xfrm>
+            <a:off x="4547733" y="3552437"/>
+            <a:ext cx="221269" cy="365946"/>
+          </a:xfrm>
+          <a:prstGeom prst="line">
+            <a:avLst/>
+          </a:prstGeom>
+          <a:ln>
+            <a:solidFill>
+              <a:schemeClr val="tx1"/>
+            </a:solidFill>
+          </a:ln>
+        </p:spPr>
+        <p:style>
+          <a:lnRef idx="1">
+            <a:schemeClr val="accent1"/>
+          </a:lnRef>
+          <a:fillRef idx="0">
+            <a:schemeClr val="accent1"/>
+          </a:fillRef>
+          <a:effectRef idx="0">
+            <a:schemeClr val="accent1"/>
+          </a:effectRef>
+          <a:fontRef idx="minor">
+            <a:schemeClr val="tx1"/>
+          </a:fontRef>
+        </p:style>
+      </p:cxnSp>
+      <p:cxnSp>
+        <p:nvCxnSpPr>
+          <p:cNvPr id="68" name="Straight Connector 67"/>
+          <p:cNvCxnSpPr>
+            <a:endCxn id="60" idx="0"/>
+          </p:cNvCxnSpPr>
+          <p:nvPr/>
+        </p:nvCxnSpPr>
+        <p:spPr>
+          <a:xfrm>
+            <a:off x="5000496" y="3544901"/>
+            <a:ext cx="0" cy="345859"/>
+          </a:xfrm>
+          <a:prstGeom prst="line">
+            <a:avLst/>
+          </a:prstGeom>
+          <a:ln>
+            <a:solidFill>
+              <a:schemeClr val="tx1"/>
+            </a:solidFill>
+          </a:ln>
+        </p:spPr>
+        <p:style>
+          <a:lnRef idx="1">
+            <a:schemeClr val="accent1"/>
+          </a:lnRef>
+          <a:fillRef idx="0">
+            <a:schemeClr val="accent1"/>
+          </a:fillRef>
+          <a:effectRef idx="0">
+            <a:schemeClr val="accent1"/>
+          </a:effectRef>
+          <a:fontRef idx="minor">
+            <a:schemeClr val="tx1"/>
+          </a:fontRef>
+        </p:style>
+      </p:cxnSp>
+      <p:cxnSp>
+        <p:nvCxnSpPr>
+          <p:cNvPr id="69" name="Straight Connector 68"/>
+          <p:cNvCxnSpPr>
+            <a:endCxn id="26" idx="7"/>
+          </p:cNvCxnSpPr>
+          <p:nvPr/>
+        </p:nvCxnSpPr>
+        <p:spPr>
+          <a:xfrm flipH="1">
+            <a:off x="2517037" y="3178955"/>
+            <a:ext cx="500795" cy="217384"/>
+          </a:xfrm>
+          <a:prstGeom prst="line">
+            <a:avLst/>
+          </a:prstGeom>
+          <a:ln>
+            <a:solidFill>
+              <a:schemeClr val="tx1"/>
+            </a:solidFill>
+          </a:ln>
+        </p:spPr>
+        <p:style>
+          <a:lnRef idx="1">
+            <a:schemeClr val="accent1"/>
+          </a:lnRef>
+          <a:fillRef idx="0">
+            <a:schemeClr val="accent1"/>
+          </a:fillRef>
+          <a:effectRef idx="0">
+            <a:schemeClr val="accent1"/>
+          </a:effectRef>
+          <a:fontRef idx="minor">
+            <a:schemeClr val="tx1"/>
+          </a:fontRef>
+        </p:style>
+      </p:cxnSp>
+      <p:cxnSp>
+        <p:nvCxnSpPr>
+          <p:cNvPr id="72" name="Straight Connector 71"/>
+          <p:cNvCxnSpPr>
+            <a:stCxn id="24" idx="4"/>
+            <a:endCxn id="27" idx="7"/>
+          </p:cNvCxnSpPr>
+          <p:nvPr/>
+        </p:nvCxnSpPr>
+        <p:spPr>
+          <a:xfrm flipH="1">
+            <a:off x="2743218" y="3186677"/>
+            <a:ext cx="274613" cy="209662"/>
+          </a:xfrm>
+          <a:prstGeom prst="line">
+            <a:avLst/>
+          </a:prstGeom>
+          <a:ln>
+            <a:solidFill>
+              <a:schemeClr val="tx1"/>
+            </a:solidFill>
+          </a:ln>
+        </p:spPr>
+        <p:style>
+          <a:lnRef idx="1">
+            <a:schemeClr val="accent1"/>
+          </a:lnRef>
+          <a:fillRef idx="0">
+            <a:schemeClr val="accent1"/>
+          </a:fillRef>
+          <a:effectRef idx="0">
+            <a:schemeClr val="accent1"/>
+          </a:effectRef>
+          <a:fontRef idx="minor">
+            <a:schemeClr val="tx1"/>
+          </a:fontRef>
+        </p:style>
+      </p:cxnSp>
+      <p:cxnSp>
+        <p:nvCxnSpPr>
+          <p:cNvPr id="74" name="Straight Connector 73"/>
+          <p:cNvCxnSpPr>
+            <a:stCxn id="24" idx="4"/>
+            <a:endCxn id="28" idx="0"/>
+          </p:cNvCxnSpPr>
+          <p:nvPr/>
+        </p:nvCxnSpPr>
+        <p:spPr>
+          <a:xfrm flipH="1">
+            <a:off x="2904741" y="3186677"/>
+            <a:ext cx="113090" cy="182880"/>
+          </a:xfrm>
+          <a:prstGeom prst="line">
+            <a:avLst/>
+          </a:prstGeom>
+          <a:ln>
+            <a:solidFill>
+              <a:schemeClr val="tx1"/>
+            </a:solidFill>
+          </a:ln>
+        </p:spPr>
+        <p:style>
+          <a:lnRef idx="1">
+            <a:schemeClr val="accent1"/>
+          </a:lnRef>
+          <a:fillRef idx="0">
+            <a:schemeClr val="accent1"/>
+          </a:fillRef>
+          <a:effectRef idx="0">
+            <a:schemeClr val="accent1"/>
+          </a:effectRef>
+          <a:fontRef idx="minor">
+            <a:schemeClr val="tx1"/>
+          </a:fontRef>
+        </p:style>
+      </p:cxnSp>
+      <p:cxnSp>
+        <p:nvCxnSpPr>
+          <p:cNvPr id="76" name="Straight Connector 75"/>
+          <p:cNvCxnSpPr>
+            <a:endCxn id="29" idx="0"/>
+          </p:cNvCxnSpPr>
+          <p:nvPr/>
+        </p:nvCxnSpPr>
+        <p:spPr>
+          <a:xfrm>
+            <a:off x="3017831" y="3186677"/>
+            <a:ext cx="113091" cy="182880"/>
+          </a:xfrm>
+          <a:prstGeom prst="line">
+            <a:avLst/>
+          </a:prstGeom>
+          <a:ln>
+            <a:solidFill>
+              <a:schemeClr val="tx1"/>
+            </a:solidFill>
+          </a:ln>
+        </p:spPr>
+        <p:style>
+          <a:lnRef idx="1">
+            <a:schemeClr val="accent1"/>
+          </a:lnRef>
+          <a:fillRef idx="0">
+            <a:schemeClr val="accent1"/>
+          </a:fillRef>
+          <a:effectRef idx="0">
+            <a:schemeClr val="accent1"/>
+          </a:effectRef>
+          <a:fontRef idx="minor">
+            <a:schemeClr val="tx1"/>
+          </a:fontRef>
+        </p:style>
+      </p:cxnSp>
+      <p:cxnSp>
+        <p:nvCxnSpPr>
+          <p:cNvPr id="78" name="Straight Connector 77"/>
+          <p:cNvCxnSpPr>
+            <a:stCxn id="24" idx="4"/>
+            <a:endCxn id="30" idx="1"/>
+          </p:cNvCxnSpPr>
+          <p:nvPr/>
+        </p:nvCxnSpPr>
+        <p:spPr>
+          <a:xfrm>
+            <a:off x="3017831" y="3186677"/>
+            <a:ext cx="274614" cy="209662"/>
+          </a:xfrm>
+          <a:prstGeom prst="line">
+            <a:avLst/>
+          </a:prstGeom>
+          <a:ln>
+            <a:solidFill>
+              <a:schemeClr val="tx1"/>
+            </a:solidFill>
+          </a:ln>
+        </p:spPr>
+        <p:style>
+          <a:lnRef idx="1">
+            <a:schemeClr val="accent1"/>
+          </a:lnRef>
+          <a:fillRef idx="0">
+            <a:schemeClr val="accent1"/>
+          </a:fillRef>
+          <a:effectRef idx="0">
+            <a:schemeClr val="accent1"/>
+          </a:effectRef>
+          <a:fontRef idx="minor">
+            <a:schemeClr val="tx1"/>
+          </a:fontRef>
+        </p:style>
+      </p:cxnSp>
+      <p:cxnSp>
+        <p:nvCxnSpPr>
+          <p:cNvPr id="80" name="Straight Connector 79"/>
+          <p:cNvCxnSpPr>
+            <a:stCxn id="24" idx="4"/>
+            <a:endCxn id="31" idx="1"/>
+          </p:cNvCxnSpPr>
+          <p:nvPr/>
+        </p:nvCxnSpPr>
+        <p:spPr>
+          <a:xfrm>
+            <a:off x="3017831" y="3186677"/>
+            <a:ext cx="500794" cy="209662"/>
+          </a:xfrm>
+          <a:prstGeom prst="line">
+            <a:avLst/>
+          </a:prstGeom>
+          <a:ln>
+            <a:solidFill>
+              <a:schemeClr val="tx1"/>
+            </a:solidFill>
+          </a:ln>
+        </p:spPr>
+        <p:style>
+          <a:lnRef idx="1">
+            <a:schemeClr val="accent1"/>
+          </a:lnRef>
+          <a:fillRef idx="0">
+            <a:schemeClr val="accent1"/>
+          </a:fillRef>
+          <a:effectRef idx="0">
+            <a:schemeClr val="accent1"/>
+          </a:effectRef>
+          <a:fontRef idx="minor">
+            <a:schemeClr val="tx1"/>
+          </a:fontRef>
+        </p:style>
+      </p:cxnSp>
+      <p:cxnSp>
+        <p:nvCxnSpPr>
+          <p:cNvPr id="81" name="Straight Connector 80"/>
+          <p:cNvCxnSpPr/>
+          <p:nvPr/>
+        </p:nvCxnSpPr>
+        <p:spPr>
+          <a:xfrm flipH="1">
+            <a:off x="4612792" y="3178955"/>
+            <a:ext cx="500795" cy="217384"/>
+          </a:xfrm>
+          <a:prstGeom prst="line">
+            <a:avLst/>
+          </a:prstGeom>
+          <a:ln>
+            <a:solidFill>
+              <a:schemeClr val="tx1"/>
+            </a:solidFill>
+          </a:ln>
+        </p:spPr>
+        <p:style>
+          <a:lnRef idx="1">
+            <a:schemeClr val="accent1"/>
+          </a:lnRef>
+          <a:fillRef idx="0">
+            <a:schemeClr val="accent1"/>
+          </a:fillRef>
+          <a:effectRef idx="0">
+            <a:schemeClr val="accent1"/>
+          </a:effectRef>
+          <a:fontRef idx="minor">
+            <a:schemeClr val="tx1"/>
+          </a:fontRef>
+        </p:style>
+      </p:cxnSp>
+      <p:cxnSp>
+        <p:nvCxnSpPr>
+          <p:cNvPr id="82" name="Straight Connector 81"/>
+          <p:cNvCxnSpPr/>
+          <p:nvPr/>
+        </p:nvCxnSpPr>
+        <p:spPr>
+          <a:xfrm flipH="1">
+            <a:off x="4838973" y="3186677"/>
+            <a:ext cx="274613" cy="209662"/>
+          </a:xfrm>
+          <a:prstGeom prst="line">
+            <a:avLst/>
+          </a:prstGeom>
+          <a:ln>
+            <a:solidFill>
+              <a:schemeClr val="tx1"/>
+            </a:solidFill>
+          </a:ln>
+        </p:spPr>
+        <p:style>
+          <a:lnRef idx="1">
+            <a:schemeClr val="accent1"/>
+          </a:lnRef>
+          <a:fillRef idx="0">
+            <a:schemeClr val="accent1"/>
+          </a:fillRef>
+          <a:effectRef idx="0">
+            <a:schemeClr val="accent1"/>
+          </a:effectRef>
+          <a:fontRef idx="minor">
+            <a:schemeClr val="tx1"/>
+          </a:fontRef>
+        </p:style>
+      </p:cxnSp>
+      <p:cxnSp>
+        <p:nvCxnSpPr>
+          <p:cNvPr id="83" name="Straight Connector 82"/>
+          <p:cNvCxnSpPr/>
+          <p:nvPr/>
+        </p:nvCxnSpPr>
+        <p:spPr>
+          <a:xfrm flipH="1">
+            <a:off x="5000496" y="3186677"/>
+            <a:ext cx="113090" cy="182880"/>
+          </a:xfrm>
+          <a:prstGeom prst="line">
+            <a:avLst/>
+          </a:prstGeom>
+          <a:ln>
+            <a:solidFill>
+              <a:schemeClr val="tx1"/>
+            </a:solidFill>
+          </a:ln>
+        </p:spPr>
+        <p:style>
+          <a:lnRef idx="1">
+            <a:schemeClr val="accent1"/>
+          </a:lnRef>
+          <a:fillRef idx="0">
+            <a:schemeClr val="accent1"/>
+          </a:fillRef>
+          <a:effectRef idx="0">
+            <a:schemeClr val="accent1"/>
+          </a:effectRef>
+          <a:fontRef idx="minor">
+            <a:schemeClr val="tx1"/>
+          </a:fontRef>
+        </p:style>
+      </p:cxnSp>
+      <p:cxnSp>
+        <p:nvCxnSpPr>
+          <p:cNvPr id="84" name="Straight Connector 83"/>
+          <p:cNvCxnSpPr/>
+          <p:nvPr/>
+        </p:nvCxnSpPr>
+        <p:spPr>
+          <a:xfrm>
+            <a:off x="5113586" y="3186677"/>
+            <a:ext cx="113091" cy="182880"/>
+          </a:xfrm>
+          <a:prstGeom prst="line">
+            <a:avLst/>
+          </a:prstGeom>
+          <a:ln>
+            <a:solidFill>
+              <a:schemeClr val="tx1"/>
+            </a:solidFill>
+          </a:ln>
+        </p:spPr>
+        <p:style>
+          <a:lnRef idx="1">
+            <a:schemeClr val="accent1"/>
+          </a:lnRef>
+          <a:fillRef idx="0">
+            <a:schemeClr val="accent1"/>
+          </a:fillRef>
+          <a:effectRef idx="0">
+            <a:schemeClr val="accent1"/>
+          </a:effectRef>
+          <a:fontRef idx="minor">
+            <a:schemeClr val="tx1"/>
+          </a:fontRef>
+        </p:style>
+      </p:cxnSp>
+      <p:cxnSp>
+        <p:nvCxnSpPr>
+          <p:cNvPr id="85" name="Straight Connector 84"/>
+          <p:cNvCxnSpPr/>
+          <p:nvPr/>
+        </p:nvCxnSpPr>
+        <p:spPr>
+          <a:xfrm>
+            <a:off x="5113586" y="3186677"/>
+            <a:ext cx="274614" cy="209662"/>
+          </a:xfrm>
+          <a:prstGeom prst="line">
+            <a:avLst/>
+          </a:prstGeom>
+          <a:ln>
+            <a:solidFill>
+              <a:schemeClr val="tx1"/>
+            </a:solidFill>
+          </a:ln>
+        </p:spPr>
+        <p:style>
+          <a:lnRef idx="1">
+            <a:schemeClr val="accent1"/>
+          </a:lnRef>
+          <a:fillRef idx="0">
+            <a:schemeClr val="accent1"/>
+          </a:fillRef>
+          <a:effectRef idx="0">
+            <a:schemeClr val="accent1"/>
+          </a:effectRef>
+          <a:fontRef idx="minor">
+            <a:schemeClr val="tx1"/>
+          </a:fontRef>
+        </p:style>
+      </p:cxnSp>
+      <p:cxnSp>
+        <p:nvCxnSpPr>
+          <p:cNvPr id="86" name="Straight Connector 85"/>
+          <p:cNvCxnSpPr/>
+          <p:nvPr/>
+        </p:nvCxnSpPr>
+        <p:spPr>
+          <a:xfrm>
+            <a:off x="5113586" y="3186677"/>
+            <a:ext cx="500794" cy="209662"/>
+          </a:xfrm>
+          <a:prstGeom prst="line">
+            <a:avLst/>
+          </a:prstGeom>
+          <a:ln>
+            <a:solidFill>
+              <a:schemeClr val="tx1"/>
+            </a:solidFill>
+          </a:ln>
+        </p:spPr>
+        <p:style>
+          <a:lnRef idx="1">
+            <a:schemeClr val="accent1"/>
+          </a:lnRef>
+          <a:fillRef idx="0">
+            <a:schemeClr val="accent1"/>
+          </a:fillRef>
+          <a:effectRef idx="0">
+            <a:schemeClr val="accent1"/>
+          </a:effectRef>
+          <a:fontRef idx="minor">
+            <a:schemeClr val="tx1"/>
+          </a:fontRef>
+        </p:style>
+      </p:cxnSp>
+      <p:sp>
+        <p:nvSpPr>
+          <p:cNvPr id="87" name="Arc 86"/>
+          <p:cNvSpPr/>
+          <p:nvPr/>
+        </p:nvSpPr>
+        <p:spPr>
+          <a:xfrm flipV="1">
+            <a:off x="3102291" y="3806856"/>
+            <a:ext cx="1190630" cy="457200"/>
+          </a:xfrm>
+          <a:prstGeom prst="arc">
+            <a:avLst>
+              <a:gd name="adj1" fmla="val 10826689"/>
+              <a:gd name="adj2" fmla="val 0"/>
+            </a:avLst>
+          </a:prstGeom>
+          <a:ln>
+            <a:solidFill>
+              <a:schemeClr val="accent6">
+                <a:lumMod val="50000"/>
+              </a:schemeClr>
+            </a:solidFill>
+            <a:prstDash val="dash"/>
+          </a:ln>
+        </p:spPr>
+        <p:style>
+          <a:lnRef idx="1">
+            <a:schemeClr val="accent1"/>
+          </a:lnRef>
+          <a:fillRef idx="0">
+            <a:schemeClr val="accent1"/>
+          </a:fillRef>
+          <a:effectRef idx="0">
+            <a:schemeClr val="accent1"/>
+          </a:effectRef>
+          <a:fontRef idx="minor">
+            <a:schemeClr val="tx1"/>
+          </a:fontRef>
+        </p:style>
+        <p:txBody>
+          <a:bodyPr rtlCol="0" anchor="ctr"/>
+          <a:lstStyle/>
+          <a:p>
+            <a:pPr algn="ctr"/>
+            <a:endParaRPr lang="en-US"/>
+          </a:p>
+        </p:txBody>
+      </p:sp>
+      <p:sp>
+        <p:nvSpPr>
+          <p:cNvPr id="88" name="Arc 87"/>
+          <p:cNvSpPr/>
+          <p:nvPr/>
+        </p:nvSpPr>
+        <p:spPr>
+          <a:xfrm flipV="1">
+            <a:off x="3364578" y="3799320"/>
+            <a:ext cx="1190630" cy="457200"/>
+          </a:xfrm>
+          <a:prstGeom prst="arc">
+            <a:avLst>
+              <a:gd name="adj1" fmla="val 10826689"/>
+              <a:gd name="adj2" fmla="val 0"/>
+            </a:avLst>
+          </a:prstGeom>
+          <a:ln>
+            <a:solidFill>
+              <a:srgbClr val="008000"/>
+            </a:solidFill>
+            <a:prstDash val="dash"/>
+          </a:ln>
+        </p:spPr>
+        <p:style>
+          <a:lnRef idx="1">
+            <a:schemeClr val="accent1"/>
+          </a:lnRef>
+          <a:fillRef idx="0">
+            <a:schemeClr val="accent1"/>
+          </a:fillRef>
+          <a:effectRef idx="0">
+            <a:schemeClr val="accent1"/>
+          </a:effectRef>
+          <a:fontRef idx="minor">
+            <a:schemeClr val="tx1"/>
+          </a:fontRef>
+        </p:style>
+        <p:txBody>
+          <a:bodyPr rtlCol="0" anchor="ctr"/>
+          <a:lstStyle/>
+          <a:p>
+            <a:pPr algn="ctr"/>
+            <a:endParaRPr lang="en-US"/>
+          </a:p>
+        </p:txBody>
+      </p:sp>
+      <p:sp>
+        <p:nvSpPr>
+          <p:cNvPr id="89" name="Arc 88"/>
+          <p:cNvSpPr/>
+          <p:nvPr/>
+        </p:nvSpPr>
+        <p:spPr>
+          <a:xfrm flipV="1">
+            <a:off x="3626865" y="3799320"/>
+            <a:ext cx="1190630" cy="457200"/>
+          </a:xfrm>
+          <a:prstGeom prst="arc">
+            <a:avLst>
+              <a:gd name="adj1" fmla="val 10826689"/>
+              <a:gd name="adj2" fmla="val 0"/>
+            </a:avLst>
+          </a:prstGeom>
+          <a:ln>
+            <a:solidFill>
+              <a:schemeClr val="accent5">
+                <a:lumMod val="50000"/>
+              </a:schemeClr>
+            </a:solidFill>
+            <a:prstDash val="dash"/>
+          </a:ln>
+        </p:spPr>
+        <p:style>
+          <a:lnRef idx="1">
+            <a:schemeClr val="accent1"/>
+          </a:lnRef>
+          <a:fillRef idx="0">
+            <a:schemeClr val="accent1"/>
+          </a:fillRef>
+          <a:effectRef idx="0">
+            <a:schemeClr val="accent1"/>
+          </a:effectRef>
+          <a:fontRef idx="minor">
+            <a:schemeClr val="tx1"/>
+          </a:fontRef>
+        </p:style>
+        <p:txBody>
+          <a:bodyPr rtlCol="0" anchor="ctr"/>
+          <a:lstStyle/>
+          <a:p>
+            <a:pPr algn="ctr"/>
+            <a:endParaRPr lang="en-US"/>
+          </a:p>
+        </p:txBody>
+      </p:sp>
+      <p:sp>
+        <p:nvSpPr>
+          <p:cNvPr id="90" name="Arc 89"/>
+          <p:cNvSpPr/>
+          <p:nvPr/>
+        </p:nvSpPr>
+        <p:spPr>
+          <a:xfrm flipV="1">
+            <a:off x="4993924" y="3802279"/>
+            <a:ext cx="1190630" cy="457200"/>
+          </a:xfrm>
+          <a:prstGeom prst="arc">
+            <a:avLst>
+              <a:gd name="adj1" fmla="val 10826689"/>
+              <a:gd name="adj2" fmla="val 0"/>
+            </a:avLst>
+          </a:prstGeom>
+          <a:ln>
+            <a:solidFill>
+              <a:schemeClr val="accent6">
+                <a:lumMod val="50000"/>
+              </a:schemeClr>
+            </a:solidFill>
+            <a:prstDash val="dash"/>
+          </a:ln>
+        </p:spPr>
+        <p:style>
+          <a:lnRef idx="1">
+            <a:schemeClr val="accent1"/>
+          </a:lnRef>
+          <a:fillRef idx="0">
+            <a:schemeClr val="accent1"/>
+          </a:fillRef>
+          <a:effectRef idx="0">
+            <a:schemeClr val="accent1"/>
+          </a:effectRef>
+          <a:fontRef idx="minor">
+            <a:schemeClr val="tx1"/>
+          </a:fontRef>
+        </p:style>
+        <p:txBody>
+          <a:bodyPr rtlCol="0" anchor="ctr"/>
+          <a:lstStyle/>
+          <a:p>
+            <a:pPr algn="ctr"/>
+            <a:endParaRPr lang="en-US"/>
+          </a:p>
+        </p:txBody>
+      </p:sp>
+      <p:sp>
+        <p:nvSpPr>
+          <p:cNvPr id="91" name="Arc 90"/>
+          <p:cNvSpPr/>
+          <p:nvPr/>
+        </p:nvSpPr>
+        <p:spPr>
+          <a:xfrm flipV="1">
+            <a:off x="1714111" y="3810000"/>
+            <a:ext cx="1190630" cy="457200"/>
+          </a:xfrm>
+          <a:prstGeom prst="arc">
+            <a:avLst>
+              <a:gd name="adj1" fmla="val 10826689"/>
+              <a:gd name="adj2" fmla="val 0"/>
+            </a:avLst>
+          </a:prstGeom>
+          <a:ln>
+            <a:solidFill>
+              <a:schemeClr val="accent1">
+                <a:lumMod val="50000"/>
+              </a:schemeClr>
+            </a:solidFill>
+            <a:prstDash val="dash"/>
+          </a:ln>
+        </p:spPr>
+        <p:style>
+          <a:lnRef idx="1">
+            <a:schemeClr val="accent1"/>
+          </a:lnRef>
+          <a:fillRef idx="0">
+            <a:schemeClr val="accent1"/>
+          </a:fillRef>
+          <a:effectRef idx="0">
+            <a:schemeClr val="accent1"/>
+          </a:effectRef>
+          <a:fontRef idx="minor">
+            <a:schemeClr val="tx1"/>
+          </a:fontRef>
+        </p:style>
+        <p:txBody>
+          <a:bodyPr rtlCol="0" anchor="ctr"/>
+          <a:lstStyle/>
+          <a:p>
+            <a:pPr algn="ctr"/>
+            <a:endParaRPr lang="en-US"/>
+          </a:p>
+        </p:txBody>
+      </p:sp>
+      <p:grpSp>
+        <p:nvGrpSpPr>
+          <p:cNvPr id="61" name="Group 60"/>
+          <p:cNvGrpSpPr/>
+          <p:nvPr/>
+        </p:nvGrpSpPr>
+        <p:grpSpPr>
+          <a:xfrm>
+            <a:off x="4224341" y="3898296"/>
+            <a:ext cx="661734" cy="137160"/>
+            <a:chOff x="3041491" y="3637699"/>
+            <a:chExt cx="661734" cy="137160"/>
+          </a:xfrm>
+        </p:grpSpPr>
+        <p:sp>
+          <p:nvSpPr>
+            <p:cNvPr id="62" name="Oval 61"/>
+            <p:cNvSpPr/>
+            <p:nvPr/>
+          </p:nvSpPr>
+          <p:spPr>
+            <a:xfrm>
+              <a:off x="3041491" y="3637699"/>
+              <a:ext cx="137160" cy="137160"/>
+            </a:xfrm>
+            <a:prstGeom prst="ellipse">
+              <a:avLst/>
+            </a:prstGeom>
+            <a:pattFill prst="ltUpDiag">
+              <a:fgClr>
+                <a:schemeClr val="accent6">
+                  <a:lumMod val="75000"/>
+                </a:schemeClr>
+              </a:fgClr>
+              <a:bgClr>
+                <a:schemeClr val="accent6">
+                  <a:lumMod val="20000"/>
+                  <a:lumOff val="80000"/>
+                </a:schemeClr>
+              </a:bgClr>
+            </a:pattFill>
+            <a:ln w="12700">
+              <a:solidFill>
+                <a:schemeClr val="accent6">
+                  <a:lumMod val="50000"/>
+                </a:schemeClr>
+              </a:solidFill>
+            </a:ln>
+          </p:spPr>
+          <p:style>
+            <a:lnRef idx="2">
+              <a:schemeClr val="accent1">
+                <a:shade val="50000"/>
+              </a:schemeClr>
+            </a:lnRef>
+            <a:fillRef idx="1">
+              <a:schemeClr val="accent1"/>
+            </a:fillRef>
+            <a:effectRef idx="0">
+              <a:schemeClr val="accent1"/>
+            </a:effectRef>
+            <a:fontRef idx="minor">
+              <a:schemeClr val="lt1"/>
+            </a:fontRef>
+          </p:style>
+          <p:txBody>
+            <a:bodyPr rtlCol="0" anchor="ctr"/>
+            <a:lstStyle/>
+            <a:p>
+              <a:pPr algn="ctr"/>
+              <a:endParaRPr lang="en-US"/>
+            </a:p>
+          </p:txBody>
+        </p:sp>
+        <p:sp>
+          <p:nvSpPr>
+            <p:cNvPr id="63" name="Oval 62"/>
+            <p:cNvSpPr/>
+            <p:nvPr/>
+          </p:nvSpPr>
+          <p:spPr>
+            <a:xfrm>
+              <a:off x="3303778" y="3637699"/>
+              <a:ext cx="137160" cy="137160"/>
+            </a:xfrm>
+            <a:prstGeom prst="ellipse">
+              <a:avLst/>
+            </a:prstGeom>
+            <a:pattFill prst="narVert">
+              <a:fgClr>
+                <a:schemeClr val="accent2">
+                  <a:lumMod val="75000"/>
+                </a:schemeClr>
+              </a:fgClr>
+              <a:bgClr>
+                <a:schemeClr val="accent2">
+                  <a:lumMod val="60000"/>
+                  <a:lumOff val="40000"/>
+                </a:schemeClr>
+              </a:bgClr>
+            </a:pattFill>
+            <a:ln w="12700">
+              <a:solidFill>
+                <a:schemeClr val="accent2">
+                  <a:lumMod val="50000"/>
+                </a:schemeClr>
+              </a:solidFill>
+            </a:ln>
+          </p:spPr>
+          <p:style>
+            <a:lnRef idx="2">
+              <a:schemeClr val="accent1">
+                <a:shade val="50000"/>
+              </a:schemeClr>
+            </a:lnRef>
+            <a:fillRef idx="1">
+              <a:schemeClr val="accent1"/>
+            </a:fillRef>
+            <a:effectRef idx="0">
+              <a:schemeClr val="accent1"/>
+            </a:effectRef>
+            <a:fontRef idx="minor">
+              <a:schemeClr val="lt1"/>
+            </a:fontRef>
+          </p:style>
+          <p:txBody>
+            <a:bodyPr rtlCol="0" anchor="ctr"/>
+            <a:lstStyle/>
+            <a:p>
+              <a:pPr algn="ctr"/>
+              <a:endParaRPr lang="en-US"/>
+            </a:p>
+          </p:txBody>
+        </p:sp>
+        <p:sp>
+          <p:nvSpPr>
+            <p:cNvPr id="64" name="Oval 63"/>
+            <p:cNvSpPr/>
+            <p:nvPr/>
+          </p:nvSpPr>
+          <p:spPr>
+            <a:xfrm>
+              <a:off x="3566065" y="3637699"/>
+              <a:ext cx="137160" cy="137160"/>
+            </a:xfrm>
+            <a:prstGeom prst="ellipse">
+              <a:avLst/>
+            </a:prstGeom>
+            <a:pattFill prst="ltDnDiag">
+              <a:fgClr>
+                <a:srgbClr val="E26F08"/>
+              </a:fgClr>
+              <a:bgClr>
+                <a:schemeClr val="accent5">
+                  <a:lumMod val="60000"/>
+                  <a:lumOff val="40000"/>
+                </a:schemeClr>
+              </a:bgClr>
+            </a:pattFill>
+            <a:ln w="12700">
+              <a:solidFill>
+                <a:schemeClr val="accent5">
+                  <a:lumMod val="50000"/>
+                </a:schemeClr>
+              </a:solidFill>
+            </a:ln>
+          </p:spPr>
+          <p:style>
+            <a:lnRef idx="2">
+              <a:schemeClr val="accent1">
+                <a:shade val="50000"/>
+              </a:schemeClr>
+            </a:lnRef>
+            <a:fillRef idx="1">
+              <a:schemeClr val="accent1"/>
+            </a:fillRef>
+            <a:effectRef idx="0">
+              <a:schemeClr val="accent1"/>
+            </a:effectRef>
+            <a:fontRef idx="minor">
+              <a:schemeClr val="lt1"/>
+            </a:fontRef>
+          </p:style>
+          <p:txBody>
+            <a:bodyPr rtlCol="0" anchor="ctr"/>
+            <a:lstStyle/>
+            <a:p>
+              <a:pPr algn="ctr"/>
+              <a:endParaRPr lang="en-US"/>
+            </a:p>
+          </p:txBody>
+        </p:sp>
+      </p:grpSp>
+      <p:grpSp>
+        <p:nvGrpSpPr>
+          <p:cNvPr id="44" name="Group 43"/>
+          <p:cNvGrpSpPr/>
+          <p:nvPr/>
+        </p:nvGrpSpPr>
+        <p:grpSpPr>
+          <a:xfrm>
+            <a:off x="3033711" y="3898296"/>
+            <a:ext cx="661734" cy="137160"/>
+            <a:chOff x="3041491" y="3637699"/>
+            <a:chExt cx="661734" cy="137160"/>
+          </a:xfrm>
+        </p:grpSpPr>
+        <p:sp>
+          <p:nvSpPr>
+            <p:cNvPr id="34" name="Oval 33"/>
+            <p:cNvSpPr/>
+            <p:nvPr/>
+          </p:nvSpPr>
+          <p:spPr>
+            <a:xfrm>
+              <a:off x="3041491" y="3637699"/>
+              <a:ext cx="137160" cy="137160"/>
+            </a:xfrm>
+            <a:prstGeom prst="ellipse">
+              <a:avLst/>
+            </a:prstGeom>
+            <a:pattFill prst="ltUpDiag">
+              <a:fgClr>
+                <a:schemeClr val="accent6">
+                  <a:lumMod val="75000"/>
+                </a:schemeClr>
+              </a:fgClr>
+              <a:bgClr>
+                <a:schemeClr val="accent6">
+                  <a:lumMod val="20000"/>
+                  <a:lumOff val="80000"/>
+                </a:schemeClr>
+              </a:bgClr>
+            </a:pattFill>
+            <a:ln w="12700">
+              <a:solidFill>
+                <a:schemeClr val="accent6">
+                  <a:lumMod val="50000"/>
+                </a:schemeClr>
+              </a:solidFill>
+            </a:ln>
+          </p:spPr>
+          <p:style>
+            <a:lnRef idx="2">
+              <a:schemeClr val="accent1">
+                <a:shade val="50000"/>
+              </a:schemeClr>
+            </a:lnRef>
+            <a:fillRef idx="1">
+              <a:schemeClr val="accent1"/>
+            </a:fillRef>
+            <a:effectRef idx="0">
+              <a:schemeClr val="accent1"/>
+            </a:effectRef>
+            <a:fontRef idx="minor">
+              <a:schemeClr val="lt1"/>
+            </a:fontRef>
+          </p:style>
+          <p:txBody>
+            <a:bodyPr rtlCol="0" anchor="ctr"/>
+            <a:lstStyle/>
+            <a:p>
+              <a:pPr algn="ctr"/>
+              <a:endParaRPr lang="en-US"/>
+            </a:p>
+          </p:txBody>
+        </p:sp>
+        <p:sp>
+          <p:nvSpPr>
+            <p:cNvPr id="35" name="Oval 34"/>
+            <p:cNvSpPr/>
+            <p:nvPr/>
+          </p:nvSpPr>
+          <p:spPr>
+            <a:xfrm>
+              <a:off x="3303778" y="3637699"/>
+              <a:ext cx="137160" cy="137160"/>
+            </a:xfrm>
+            <a:prstGeom prst="ellipse">
+              <a:avLst/>
+            </a:prstGeom>
+            <a:pattFill prst="narVert">
+              <a:fgClr>
+                <a:schemeClr val="accent2">
+                  <a:lumMod val="75000"/>
+                </a:schemeClr>
+              </a:fgClr>
+              <a:bgClr>
+                <a:schemeClr val="accent2">
+                  <a:lumMod val="60000"/>
+                  <a:lumOff val="40000"/>
+                </a:schemeClr>
+              </a:bgClr>
+            </a:pattFill>
+            <a:ln w="12700">
+              <a:solidFill>
+                <a:schemeClr val="accent2">
+                  <a:lumMod val="50000"/>
+                </a:schemeClr>
+              </a:solidFill>
+            </a:ln>
+          </p:spPr>
+          <p:style>
+            <a:lnRef idx="2">
+              <a:schemeClr val="accent1">
+                <a:shade val="50000"/>
+              </a:schemeClr>
+            </a:lnRef>
+            <a:fillRef idx="1">
+              <a:schemeClr val="accent1"/>
+            </a:fillRef>
+            <a:effectRef idx="0">
+              <a:schemeClr val="accent1"/>
+            </a:effectRef>
+            <a:fontRef idx="minor">
+              <a:schemeClr val="lt1"/>
+            </a:fontRef>
+          </p:style>
+          <p:txBody>
+            <a:bodyPr rtlCol="0" anchor="ctr"/>
+            <a:lstStyle/>
+            <a:p>
+              <a:pPr algn="ctr"/>
+              <a:endParaRPr lang="en-US"/>
+            </a:p>
+          </p:txBody>
+        </p:sp>
+        <p:sp>
+          <p:nvSpPr>
+            <p:cNvPr id="36" name="Oval 35"/>
+            <p:cNvSpPr/>
+            <p:nvPr/>
+          </p:nvSpPr>
+          <p:spPr>
+            <a:xfrm>
+              <a:off x="3566065" y="3637699"/>
+              <a:ext cx="137160" cy="137160"/>
+            </a:xfrm>
+            <a:prstGeom prst="ellipse">
+              <a:avLst/>
+            </a:prstGeom>
+            <a:pattFill prst="ltDnDiag">
+              <a:fgClr>
+                <a:schemeClr val="accent5">
+                  <a:lumMod val="75000"/>
+                </a:schemeClr>
+              </a:fgClr>
+              <a:bgClr>
+                <a:schemeClr val="accent5">
+                  <a:lumMod val="60000"/>
+                  <a:lumOff val="40000"/>
+                </a:schemeClr>
+              </a:bgClr>
+            </a:pattFill>
+            <a:ln w="12700">
+              <a:solidFill>
+                <a:schemeClr val="accent5">
+                  <a:lumMod val="50000"/>
+                </a:schemeClr>
+              </a:solidFill>
+            </a:ln>
+          </p:spPr>
+          <p:style>
+            <a:lnRef idx="2">
+              <a:schemeClr val="accent1">
+                <a:shade val="50000"/>
+              </a:schemeClr>
+            </a:lnRef>
+            <a:fillRef idx="1">
+              <a:schemeClr val="accent1"/>
+            </a:fillRef>
+            <a:effectRef idx="0">
+              <a:schemeClr val="accent1"/>
+            </a:effectRef>
+            <a:fontRef idx="minor">
+              <a:schemeClr val="lt1"/>
+            </a:fontRef>
+          </p:style>
+          <p:txBody>
+            <a:bodyPr rtlCol="0" anchor="ctr"/>
+            <a:lstStyle/>
+            <a:p>
+              <a:pPr algn="ctr"/>
+              <a:endParaRPr lang="en-US"/>
+            </a:p>
+          </p:txBody>
+        </p:sp>
+      </p:grpSp>
+      <p:sp>
+        <p:nvSpPr>
+          <p:cNvPr id="60" name="Oval 59"/>
+          <p:cNvSpPr/>
+          <p:nvPr/>
+        </p:nvSpPr>
+        <p:spPr>
+          <a:xfrm>
+            <a:off x="4931916" y="3890760"/>
+            <a:ext cx="137160" cy="137160"/>
+          </a:xfrm>
+          <a:prstGeom prst="ellipse">
+            <a:avLst/>
+          </a:prstGeom>
+          <a:pattFill prst="ltUpDiag">
+            <a:fgClr>
+              <a:schemeClr val="accent6"/>
+            </a:fgClr>
+            <a:bgClr>
+              <a:schemeClr val="accent6">
+                <a:lumMod val="20000"/>
+                <a:lumOff val="80000"/>
+              </a:schemeClr>
+            </a:bgClr>
+          </a:pattFill>
+          <a:ln w="12700">
+            <a:solidFill>
+              <a:schemeClr val="accent6">
+                <a:lumMod val="50000"/>
+              </a:schemeClr>
+            </a:solidFill>
+          </a:ln>
+        </p:spPr>
+        <p:style>
+          <a:lnRef idx="2">
+            <a:schemeClr val="accent1">
+              <a:shade val="50000"/>
+            </a:schemeClr>
+          </a:lnRef>
+          <a:fillRef idx="1">
+            <a:schemeClr val="accent1"/>
+          </a:fillRef>
+          <a:effectRef idx="0">
+            <a:schemeClr val="accent1"/>
+          </a:effectRef>
+          <a:fontRef idx="minor">
+            <a:schemeClr val="lt1"/>
+          </a:fontRef>
+        </p:style>
+        <p:txBody>
+          <a:bodyPr rtlCol="0" anchor="ctr"/>
+          <a:lstStyle/>
+          <a:p>
+            <a:pPr algn="ctr"/>
+            <a:endParaRPr lang="en-US"/>
+          </a:p>
+        </p:txBody>
+      </p:sp>
+      <p:sp>
+        <p:nvSpPr>
+          <p:cNvPr id="53" name="Oval 52"/>
+          <p:cNvSpPr/>
+          <p:nvPr/>
+        </p:nvSpPr>
+        <p:spPr>
+          <a:xfrm>
+            <a:off x="5022146" y="3003797"/>
+            <a:ext cx="182880" cy="182880"/>
+          </a:xfrm>
+          <a:prstGeom prst="ellipse">
+            <a:avLst/>
+          </a:prstGeom>
+          <a:solidFill>
+            <a:schemeClr val="accent4">
+              <a:lumMod val="40000"/>
+              <a:lumOff val="60000"/>
+            </a:schemeClr>
+          </a:solidFill>
+          <a:ln w="12700">
+            <a:solidFill>
+              <a:schemeClr val="tx1"/>
+            </a:solidFill>
+          </a:ln>
+        </p:spPr>
+        <p:style>
+          <a:lnRef idx="2">
+            <a:schemeClr val="accent1">
+              <a:shade val="50000"/>
+            </a:schemeClr>
+          </a:lnRef>
+          <a:fillRef idx="1">
+            <a:schemeClr val="accent1"/>
+          </a:fillRef>
+          <a:effectRef idx="0">
+            <a:schemeClr val="accent1"/>
+          </a:effectRef>
+          <a:fontRef idx="minor">
+            <a:schemeClr val="lt1"/>
+          </a:fontRef>
+        </p:style>
+        <p:txBody>
+          <a:bodyPr rtlCol="0" anchor="ctr"/>
+          <a:lstStyle/>
+          <a:p>
+            <a:pPr algn="ctr"/>
+            <a:endParaRPr lang="en-US"/>
+          </a:p>
+        </p:txBody>
+      </p:sp>
+      <p:sp>
+        <p:nvSpPr>
+          <p:cNvPr id="54" name="Oval 53"/>
+          <p:cNvSpPr/>
+          <p:nvPr/>
+        </p:nvSpPr>
+        <p:spPr>
+          <a:xfrm>
+            <a:off x="4456694" y="3369557"/>
+            <a:ext cx="182880" cy="182880"/>
+          </a:xfrm>
+          <a:prstGeom prst="ellipse">
+            <a:avLst/>
+          </a:prstGeom>
+          <a:solidFill>
+            <a:schemeClr val="accent3">
+              <a:lumMod val="40000"/>
+              <a:lumOff val="60000"/>
+            </a:schemeClr>
+          </a:solidFill>
+          <a:ln w="12700">
+            <a:solidFill>
+              <a:schemeClr val="tx1"/>
+            </a:solidFill>
+          </a:ln>
+        </p:spPr>
+        <p:style>
+          <a:lnRef idx="2">
+            <a:schemeClr val="accent1">
+              <a:shade val="50000"/>
+            </a:schemeClr>
+          </a:lnRef>
+          <a:fillRef idx="1">
+            <a:schemeClr val="accent1"/>
+          </a:fillRef>
+          <a:effectRef idx="0">
+            <a:schemeClr val="accent1"/>
+          </a:effectRef>
+          <a:fontRef idx="minor">
+            <a:schemeClr val="lt1"/>
+          </a:fontRef>
+        </p:style>
+        <p:txBody>
+          <a:bodyPr rtlCol="0" anchor="ctr"/>
+          <a:lstStyle/>
+          <a:p>
+            <a:pPr algn="ctr"/>
+            <a:endParaRPr lang="en-US"/>
+          </a:p>
+        </p:txBody>
+      </p:sp>
+      <p:sp>
+        <p:nvSpPr>
+          <p:cNvPr id="55" name="Oval 54"/>
+          <p:cNvSpPr/>
+          <p:nvPr/>
+        </p:nvSpPr>
+        <p:spPr>
+          <a:xfrm>
+            <a:off x="4682875" y="3369557"/>
+            <a:ext cx="182880" cy="182880"/>
+          </a:xfrm>
+          <a:prstGeom prst="ellipse">
+            <a:avLst/>
+          </a:prstGeom>
+          <a:solidFill>
+            <a:schemeClr val="bg1">
+              <a:lumMod val="95000"/>
+            </a:schemeClr>
+          </a:solidFill>
+          <a:ln w="12700">
+            <a:solidFill>
+              <a:schemeClr val="tx1"/>
+            </a:solidFill>
+          </a:ln>
+        </p:spPr>
+        <p:style>
+          <a:lnRef idx="2">
+            <a:schemeClr val="accent1">
+              <a:shade val="50000"/>
+            </a:schemeClr>
+          </a:lnRef>
+          <a:fillRef idx="1">
+            <a:schemeClr val="accent1"/>
+          </a:fillRef>
+          <a:effectRef idx="0">
+            <a:schemeClr val="accent1"/>
+          </a:effectRef>
+          <a:fontRef idx="minor">
+            <a:schemeClr val="lt1"/>
+          </a:fontRef>
+        </p:style>
+        <p:txBody>
+          <a:bodyPr rtlCol="0" anchor="ctr"/>
+          <a:lstStyle/>
+          <a:p>
+            <a:pPr algn="ctr"/>
+            <a:endParaRPr lang="en-US"/>
+          </a:p>
+        </p:txBody>
+      </p:sp>
+      <p:sp>
+        <p:nvSpPr>
+          <p:cNvPr id="56" name="Oval 55"/>
+          <p:cNvSpPr/>
+          <p:nvPr/>
+        </p:nvSpPr>
+        <p:spPr>
+          <a:xfrm>
+            <a:off x="4909056" y="3369557"/>
+            <a:ext cx="182880" cy="182880"/>
+          </a:xfrm>
+          <a:prstGeom prst="ellipse">
+            <a:avLst/>
+          </a:prstGeom>
+          <a:solidFill>
+            <a:schemeClr val="bg1">
+              <a:lumMod val="95000"/>
+            </a:schemeClr>
+          </a:solidFill>
+          <a:ln w="12700">
+            <a:solidFill>
+              <a:schemeClr val="tx1"/>
+            </a:solidFill>
+          </a:ln>
+        </p:spPr>
+        <p:style>
+          <a:lnRef idx="2">
+            <a:schemeClr val="accent1">
+              <a:shade val="50000"/>
+            </a:schemeClr>
+          </a:lnRef>
+          <a:fillRef idx="1">
+            <a:schemeClr val="accent1"/>
+          </a:fillRef>
+          <a:effectRef idx="0">
+            <a:schemeClr val="accent1"/>
+          </a:effectRef>
+          <a:fontRef idx="minor">
+            <a:schemeClr val="lt1"/>
+          </a:fontRef>
+        </p:style>
+        <p:txBody>
+          <a:bodyPr rtlCol="0" anchor="ctr"/>
+          <a:lstStyle/>
+          <a:p>
+            <a:pPr algn="ctr"/>
+            <a:endParaRPr lang="en-US"/>
+          </a:p>
+        </p:txBody>
+      </p:sp>
+      <p:sp>
+        <p:nvSpPr>
+          <p:cNvPr id="57" name="Oval 56"/>
+          <p:cNvSpPr/>
+          <p:nvPr/>
+        </p:nvSpPr>
+        <p:spPr>
+          <a:xfrm>
+            <a:off x="5135237" y="3369557"/>
+            <a:ext cx="182880" cy="182880"/>
+          </a:xfrm>
+          <a:prstGeom prst="ellipse">
+            <a:avLst/>
+          </a:prstGeom>
+          <a:solidFill>
+            <a:schemeClr val="bg1">
+              <a:lumMod val="95000"/>
+            </a:schemeClr>
+          </a:solidFill>
+          <a:ln w="12700">
+            <a:solidFill>
+              <a:schemeClr val="tx1"/>
+            </a:solidFill>
+          </a:ln>
+        </p:spPr>
+        <p:style>
+          <a:lnRef idx="2">
+            <a:schemeClr val="accent1">
+              <a:shade val="50000"/>
+            </a:schemeClr>
+          </a:lnRef>
+          <a:fillRef idx="1">
+            <a:schemeClr val="accent1"/>
+          </a:fillRef>
+          <a:effectRef idx="0">
+            <a:schemeClr val="accent1"/>
+          </a:effectRef>
+          <a:fontRef idx="minor">
+            <a:schemeClr val="lt1"/>
+          </a:fontRef>
+        </p:style>
+        <p:txBody>
+          <a:bodyPr rtlCol="0" anchor="ctr"/>
+          <a:lstStyle/>
+          <a:p>
+            <a:pPr algn="ctr"/>
+            <a:endParaRPr lang="en-US"/>
+          </a:p>
+        </p:txBody>
+      </p:sp>
+      <p:sp>
+        <p:nvSpPr>
+          <p:cNvPr id="58" name="Oval 57"/>
+          <p:cNvSpPr/>
+          <p:nvPr/>
+        </p:nvSpPr>
+        <p:spPr>
+          <a:xfrm>
+            <a:off x="5361418" y="3369557"/>
+            <a:ext cx="182880" cy="182880"/>
+          </a:xfrm>
+          <a:prstGeom prst="ellipse">
+            <a:avLst/>
+          </a:prstGeom>
+          <a:solidFill>
+            <a:schemeClr val="bg1">
+              <a:lumMod val="95000"/>
+            </a:schemeClr>
+          </a:solidFill>
+          <a:ln w="12700">
+            <a:solidFill>
+              <a:schemeClr val="tx1"/>
+            </a:solidFill>
+          </a:ln>
+        </p:spPr>
+        <p:style>
+          <a:lnRef idx="2">
+            <a:schemeClr val="accent1">
+              <a:shade val="50000"/>
+            </a:schemeClr>
+          </a:lnRef>
+          <a:fillRef idx="1">
+            <a:schemeClr val="accent1"/>
+          </a:fillRef>
+          <a:effectRef idx="0">
+            <a:schemeClr val="accent1"/>
+          </a:effectRef>
+          <a:fontRef idx="minor">
+            <a:schemeClr val="lt1"/>
+          </a:fontRef>
+        </p:style>
+        <p:txBody>
+          <a:bodyPr rtlCol="0" anchor="ctr"/>
+          <a:lstStyle/>
+          <a:p>
+            <a:pPr algn="ctr"/>
+            <a:endParaRPr lang="en-US"/>
+          </a:p>
+        </p:txBody>
+      </p:sp>
+      <p:sp>
+        <p:nvSpPr>
+          <p:cNvPr id="59" name="Oval 58"/>
+          <p:cNvSpPr/>
+          <p:nvPr/>
+        </p:nvSpPr>
+        <p:spPr>
+          <a:xfrm>
+            <a:off x="5587598" y="3369557"/>
+            <a:ext cx="182880" cy="182880"/>
+          </a:xfrm>
+          <a:prstGeom prst="ellipse">
+            <a:avLst/>
+          </a:prstGeom>
+          <a:solidFill>
+            <a:schemeClr val="bg1">
+              <a:lumMod val="95000"/>
+            </a:schemeClr>
+          </a:solidFill>
+          <a:ln w="12700">
+            <a:solidFill>
+              <a:schemeClr val="tx1"/>
+            </a:solidFill>
+          </a:ln>
+        </p:spPr>
+        <p:style>
+          <a:lnRef idx="2">
+            <a:schemeClr val="accent1">
+              <a:shade val="50000"/>
+            </a:schemeClr>
+          </a:lnRef>
+          <a:fillRef idx="1">
+            <a:schemeClr val="accent1"/>
+          </a:fillRef>
+          <a:effectRef idx="0">
+            <a:schemeClr val="accent1"/>
+          </a:effectRef>
+          <a:fontRef idx="minor">
+            <a:schemeClr val="lt1"/>
+          </a:fontRef>
+        </p:style>
+        <p:txBody>
+          <a:bodyPr rtlCol="0" anchor="ctr"/>
+          <a:lstStyle/>
+          <a:p>
+            <a:pPr algn="ctr"/>
+            <a:endParaRPr lang="en-US"/>
+          </a:p>
+        </p:txBody>
+      </p:sp>
+      <p:sp>
+        <p:nvSpPr>
+          <p:cNvPr id="24" name="Oval 23"/>
+          <p:cNvSpPr/>
+          <p:nvPr/>
+        </p:nvSpPr>
+        <p:spPr>
+          <a:xfrm>
+            <a:off x="2926391" y="3003797"/>
+            <a:ext cx="182880" cy="182880"/>
+          </a:xfrm>
+          <a:prstGeom prst="ellipse">
+            <a:avLst/>
+          </a:prstGeom>
+          <a:solidFill>
+            <a:schemeClr val="accent3">
+              <a:lumMod val="40000"/>
+              <a:lumOff val="60000"/>
+            </a:schemeClr>
+          </a:solidFill>
+          <a:ln w="12700">
+            <a:solidFill>
+              <a:schemeClr val="tx1"/>
+            </a:solidFill>
+          </a:ln>
+        </p:spPr>
+        <p:style>
+          <a:lnRef idx="2">
+            <a:schemeClr val="accent1">
+              <a:shade val="50000"/>
+            </a:schemeClr>
+          </a:lnRef>
+          <a:fillRef idx="1">
+            <a:schemeClr val="accent1"/>
+          </a:fillRef>
+          <a:effectRef idx="0">
+            <a:schemeClr val="accent1"/>
+          </a:effectRef>
+          <a:fontRef idx="minor">
+            <a:schemeClr val="lt1"/>
+          </a:fontRef>
+        </p:style>
+        <p:txBody>
+          <a:bodyPr rtlCol="0" anchor="ctr"/>
+          <a:lstStyle/>
+          <a:p>
+            <a:pPr algn="ctr"/>
+            <a:endParaRPr lang="en-US"/>
+          </a:p>
+        </p:txBody>
+      </p:sp>
+      <p:sp>
+        <p:nvSpPr>
+          <p:cNvPr id="26" name="Oval 25"/>
+          <p:cNvSpPr/>
+          <p:nvPr/>
+        </p:nvSpPr>
+        <p:spPr>
+          <a:xfrm>
+            <a:off x="2360939" y="3369557"/>
+            <a:ext cx="182880" cy="182880"/>
+          </a:xfrm>
+          <a:prstGeom prst="ellipse">
+            <a:avLst/>
+          </a:prstGeom>
+          <a:solidFill>
+            <a:schemeClr val="bg1">
+              <a:lumMod val="95000"/>
+            </a:schemeClr>
+          </a:solidFill>
+          <a:ln w="12700">
+            <a:solidFill>
+              <a:schemeClr val="tx1"/>
+            </a:solidFill>
+          </a:ln>
+        </p:spPr>
+        <p:style>
+          <a:lnRef idx="2">
+            <a:schemeClr val="accent1">
+              <a:shade val="50000"/>
+            </a:schemeClr>
+          </a:lnRef>
+          <a:fillRef idx="1">
+            <a:schemeClr val="accent1"/>
+          </a:fillRef>
+          <a:effectRef idx="0">
+            <a:schemeClr val="accent1"/>
+          </a:effectRef>
+          <a:fontRef idx="minor">
+            <a:schemeClr val="lt1"/>
+          </a:fontRef>
+        </p:style>
+        <p:txBody>
+          <a:bodyPr rtlCol="0" anchor="ctr"/>
+          <a:lstStyle/>
+          <a:p>
+            <a:pPr algn="ctr"/>
+            <a:endParaRPr lang="en-US"/>
+          </a:p>
+        </p:txBody>
+      </p:sp>
+      <p:sp>
+        <p:nvSpPr>
+          <p:cNvPr id="27" name="Oval 26"/>
+          <p:cNvSpPr/>
+          <p:nvPr/>
+        </p:nvSpPr>
+        <p:spPr>
+          <a:xfrm>
+            <a:off x="2587120" y="3369557"/>
+            <a:ext cx="182880" cy="182880"/>
+          </a:xfrm>
+          <a:prstGeom prst="ellipse">
+            <a:avLst/>
+          </a:prstGeom>
+          <a:solidFill>
+            <a:schemeClr val="bg1">
+              <a:lumMod val="95000"/>
+            </a:schemeClr>
+          </a:solidFill>
+          <a:ln w="12700">
+            <a:solidFill>
+              <a:schemeClr val="tx1"/>
+            </a:solidFill>
+          </a:ln>
+        </p:spPr>
+        <p:style>
+          <a:lnRef idx="2">
+            <a:schemeClr val="accent1">
+              <a:shade val="50000"/>
+            </a:schemeClr>
+          </a:lnRef>
+          <a:fillRef idx="1">
+            <a:schemeClr val="accent1"/>
+          </a:fillRef>
+          <a:effectRef idx="0">
+            <a:schemeClr val="accent1"/>
+          </a:effectRef>
+          <a:fontRef idx="minor">
+            <a:schemeClr val="lt1"/>
+          </a:fontRef>
+        </p:style>
+        <p:txBody>
+          <a:bodyPr rtlCol="0" anchor="ctr"/>
+          <a:lstStyle/>
+          <a:p>
+            <a:pPr algn="ctr"/>
+            <a:endParaRPr lang="en-US"/>
+          </a:p>
+        </p:txBody>
+      </p:sp>
+      <p:sp>
+        <p:nvSpPr>
+          <p:cNvPr id="28" name="Oval 27"/>
+          <p:cNvSpPr/>
+          <p:nvPr/>
+        </p:nvSpPr>
+        <p:spPr>
+          <a:xfrm>
+            <a:off x="2813301" y="3369557"/>
+            <a:ext cx="182880" cy="182880"/>
+          </a:xfrm>
+          <a:prstGeom prst="ellipse">
+            <a:avLst/>
+          </a:prstGeom>
+          <a:solidFill>
+            <a:schemeClr val="bg1">
+              <a:lumMod val="95000"/>
+            </a:schemeClr>
+          </a:solidFill>
+          <a:ln w="12700">
+            <a:solidFill>
+              <a:schemeClr val="tx1"/>
+            </a:solidFill>
+          </a:ln>
+        </p:spPr>
+        <p:style>
+          <a:lnRef idx="2">
+            <a:schemeClr val="accent1">
+              <a:shade val="50000"/>
+            </a:schemeClr>
+          </a:lnRef>
+          <a:fillRef idx="1">
+            <a:schemeClr val="accent1"/>
+          </a:fillRef>
+          <a:effectRef idx="0">
+            <a:schemeClr val="accent1"/>
+          </a:effectRef>
+          <a:fontRef idx="minor">
+            <a:schemeClr val="lt1"/>
+          </a:fontRef>
+        </p:style>
+        <p:txBody>
+          <a:bodyPr rtlCol="0" anchor="ctr"/>
+          <a:lstStyle/>
+          <a:p>
+            <a:pPr algn="ctr"/>
+            <a:endParaRPr lang="en-US"/>
+          </a:p>
+        </p:txBody>
+      </p:sp>
+      <p:sp>
+        <p:nvSpPr>
+          <p:cNvPr id="29" name="Oval 28"/>
+          <p:cNvSpPr/>
+          <p:nvPr/>
+        </p:nvSpPr>
+        <p:spPr>
+          <a:xfrm>
+            <a:off x="3039482" y="3369557"/>
+            <a:ext cx="182880" cy="182880"/>
+          </a:xfrm>
+          <a:prstGeom prst="ellipse">
+            <a:avLst/>
+          </a:prstGeom>
+          <a:solidFill>
+            <a:schemeClr val="bg1">
+              <a:lumMod val="95000"/>
+            </a:schemeClr>
+          </a:solidFill>
+          <a:ln w="12700">
+            <a:solidFill>
+              <a:schemeClr val="tx1"/>
+            </a:solidFill>
+          </a:ln>
+        </p:spPr>
+        <p:style>
+          <a:lnRef idx="2">
+            <a:schemeClr val="accent1">
+              <a:shade val="50000"/>
+            </a:schemeClr>
+          </a:lnRef>
+          <a:fillRef idx="1">
+            <a:schemeClr val="accent1"/>
+          </a:fillRef>
+          <a:effectRef idx="0">
+            <a:schemeClr val="accent1"/>
+          </a:effectRef>
+          <a:fontRef idx="minor">
+            <a:schemeClr val="lt1"/>
+          </a:fontRef>
+        </p:style>
+        <p:txBody>
+          <a:bodyPr rtlCol="0" anchor="ctr"/>
+          <a:lstStyle/>
+          <a:p>
+            <a:pPr algn="ctr"/>
+            <a:endParaRPr lang="en-US"/>
+          </a:p>
+        </p:txBody>
+      </p:sp>
+      <p:sp>
+        <p:nvSpPr>
+          <p:cNvPr id="30" name="Oval 29"/>
+          <p:cNvSpPr/>
+          <p:nvPr/>
+        </p:nvSpPr>
+        <p:spPr>
+          <a:xfrm>
+            <a:off x="3265663" y="3369557"/>
+            <a:ext cx="182880" cy="182880"/>
+          </a:xfrm>
+          <a:prstGeom prst="ellipse">
+            <a:avLst/>
+          </a:prstGeom>
+          <a:solidFill>
+            <a:schemeClr val="accent4">
+              <a:lumMod val="40000"/>
+              <a:lumOff val="60000"/>
+            </a:schemeClr>
+          </a:solidFill>
+          <a:ln w="12700">
+            <a:solidFill>
+              <a:schemeClr val="tx1"/>
+            </a:solidFill>
+          </a:ln>
+        </p:spPr>
+        <p:style>
+          <a:lnRef idx="2">
+            <a:schemeClr val="accent1">
+              <a:shade val="50000"/>
+            </a:schemeClr>
+          </a:lnRef>
+          <a:fillRef idx="1">
+            <a:schemeClr val="accent1"/>
+          </a:fillRef>
+          <a:effectRef idx="0">
+            <a:schemeClr val="accent1"/>
+          </a:effectRef>
+          <a:fontRef idx="minor">
+            <a:schemeClr val="lt1"/>
+          </a:fontRef>
+        </p:style>
+        <p:txBody>
+          <a:bodyPr rtlCol="0" anchor="ctr"/>
+          <a:lstStyle/>
+          <a:p>
+            <a:pPr algn="ctr"/>
+            <a:endParaRPr lang="en-US"/>
+          </a:p>
+        </p:txBody>
+      </p:sp>
+      <p:sp>
+        <p:nvSpPr>
+          <p:cNvPr id="31" name="Oval 30"/>
+          <p:cNvSpPr/>
+          <p:nvPr/>
+        </p:nvSpPr>
+        <p:spPr>
+          <a:xfrm>
+            <a:off x="3491843" y="3369557"/>
+            <a:ext cx="182880" cy="182880"/>
+          </a:xfrm>
+          <a:prstGeom prst="ellipse">
+            <a:avLst/>
+          </a:prstGeom>
+          <a:solidFill>
+            <a:schemeClr val="bg1">
+              <a:lumMod val="95000"/>
+            </a:schemeClr>
+          </a:solidFill>
+          <a:ln w="12700">
+            <a:solidFill>
+              <a:schemeClr val="tx1"/>
+            </a:solidFill>
+          </a:ln>
+        </p:spPr>
+        <p:style>
+          <a:lnRef idx="2">
+            <a:schemeClr val="accent1">
+              <a:shade val="50000"/>
+            </a:schemeClr>
+          </a:lnRef>
+          <a:fillRef idx="1">
+            <a:schemeClr val="accent1"/>
+          </a:fillRef>
+          <a:effectRef idx="0">
+            <a:schemeClr val="accent1"/>
+          </a:effectRef>
+          <a:fontRef idx="minor">
+            <a:schemeClr val="lt1"/>
+          </a:fontRef>
+        </p:style>
+        <p:txBody>
+          <a:bodyPr rtlCol="0" anchor="ctr"/>
+          <a:lstStyle/>
+          <a:p>
+            <a:pPr algn="ctr"/>
+            <a:endParaRPr lang="en-US"/>
+          </a:p>
+        </p:txBody>
+      </p:sp>
+      <p:sp>
+        <p:nvSpPr>
+          <p:cNvPr id="33" name="Oval 32"/>
+          <p:cNvSpPr/>
+          <p:nvPr/>
+        </p:nvSpPr>
+        <p:spPr>
+          <a:xfrm>
+            <a:off x="2836161" y="3898296"/>
+            <a:ext cx="137160" cy="137160"/>
+          </a:xfrm>
+          <a:prstGeom prst="ellipse">
+            <a:avLst/>
+          </a:prstGeom>
+          <a:pattFill prst="narHorz">
+            <a:fgClr>
+              <a:srgbClr val="FFFF00"/>
+            </a:fgClr>
+            <a:bgClr>
+              <a:schemeClr val="accent1">
+                <a:lumMod val="40000"/>
+                <a:lumOff val="60000"/>
+              </a:schemeClr>
+            </a:bgClr>
+          </a:pattFill>
+          <a:ln w="12700">
+            <a:solidFill>
+              <a:schemeClr val="accent1">
+                <a:lumMod val="50000"/>
+              </a:schemeClr>
+            </a:solidFill>
+          </a:ln>
+        </p:spPr>
+        <p:style>
+          <a:lnRef idx="2">
+            <a:schemeClr val="accent1">
+              <a:shade val="50000"/>
+            </a:schemeClr>
+          </a:lnRef>
+          <a:fillRef idx="1">
+            <a:schemeClr val="accent1"/>
+          </a:fillRef>
+          <a:effectRef idx="0">
+            <a:schemeClr val="accent1"/>
+          </a:effectRef>
+          <a:fontRef idx="minor">
+            <a:schemeClr val="lt1"/>
+          </a:fontRef>
+        </p:style>
+        <p:txBody>
+          <a:bodyPr rtlCol="0" anchor="ctr"/>
+          <a:lstStyle/>
+          <a:p>
+            <a:pPr algn="ctr"/>
+            <a:endParaRPr lang="en-US"/>
+          </a:p>
+        </p:txBody>
+      </p:sp>
+      <p:sp>
+        <p:nvSpPr>
+          <p:cNvPr id="92" name="TextBox 91"/>
+          <p:cNvSpPr txBox="1"/>
+          <p:nvPr/>
+        </p:nvSpPr>
+        <p:spPr>
+          <a:xfrm>
+            <a:off x="2221541" y="2848123"/>
+            <a:ext cx="583814" cy="307777"/>
+          </a:xfrm>
+          <a:prstGeom prst="rect">
+            <a:avLst/>
+          </a:prstGeom>
+          <a:noFill/>
+        </p:spPr>
+        <p:txBody>
+          <a:bodyPr wrap="none" rtlCol="0">
+            <a:spAutoFit/>
+          </a:bodyPr>
+          <a:lstStyle/>
+          <a:p>
+            <a:r>
+              <a:rPr lang="en-US" sz="1400" b="1" dirty="0" smtClean="0"/>
+              <a:t>block</a:t>
+            </a:r>
+            <a:endParaRPr lang="en-US" sz="1400" b="1" dirty="0"/>
+          </a:p>
+        </p:txBody>
+      </p:sp>
+      <p:sp>
+        <p:nvSpPr>
+          <p:cNvPr id="93" name="TextBox 92"/>
+          <p:cNvSpPr txBox="1"/>
+          <p:nvPr/>
+        </p:nvSpPr>
+        <p:spPr>
+          <a:xfrm>
+            <a:off x="5272780" y="2848123"/>
+            <a:ext cx="583814" cy="307777"/>
+          </a:xfrm>
+          <a:prstGeom prst="rect">
+            <a:avLst/>
+          </a:prstGeom>
+          <a:noFill/>
+        </p:spPr>
+        <p:txBody>
+          <a:bodyPr wrap="none" rtlCol="0">
+            <a:spAutoFit/>
+          </a:bodyPr>
+          <a:lstStyle/>
+          <a:p>
+            <a:r>
+              <a:rPr lang="en-US" sz="1400" b="1" dirty="0" smtClean="0"/>
+              <a:t>block</a:t>
+            </a:r>
+            <a:endParaRPr lang="en-US" sz="1400" b="1" dirty="0"/>
+          </a:p>
+        </p:txBody>
+      </p:sp>
+      <p:sp>
+        <p:nvSpPr>
+          <p:cNvPr id="94" name="TextBox 93"/>
+          <p:cNvSpPr txBox="1"/>
+          <p:nvPr/>
+        </p:nvSpPr>
+        <p:spPr>
+          <a:xfrm>
+            <a:off x="1200279" y="3276600"/>
+            <a:ext cx="1161921" cy="307777"/>
+          </a:xfrm>
+          <a:prstGeom prst="rect">
+            <a:avLst/>
+          </a:prstGeom>
+          <a:noFill/>
+        </p:spPr>
+        <p:txBody>
+          <a:bodyPr wrap="none" rtlCol="0">
+            <a:spAutoFit/>
+          </a:bodyPr>
+          <a:lstStyle/>
+          <a:p>
+            <a:r>
+              <a:rPr lang="en-US" sz="1400" b="1" dirty="0"/>
+              <a:t>s</a:t>
+            </a:r>
+            <a:r>
+              <a:rPr lang="en-US" sz="1400" b="1" dirty="0" smtClean="0"/>
+              <a:t>ix neighbors</a:t>
+            </a:r>
+            <a:endParaRPr lang="en-US" sz="1400" b="1" dirty="0"/>
+          </a:p>
+        </p:txBody>
+      </p:sp>
+      <p:sp>
+        <p:nvSpPr>
+          <p:cNvPr id="95" name="TextBox 94"/>
+          <p:cNvSpPr txBox="1"/>
+          <p:nvPr/>
+        </p:nvSpPr>
+        <p:spPr>
+          <a:xfrm>
+            <a:off x="5715000" y="3276600"/>
+            <a:ext cx="1161921" cy="307777"/>
+          </a:xfrm>
+          <a:prstGeom prst="rect">
+            <a:avLst/>
+          </a:prstGeom>
+          <a:noFill/>
+        </p:spPr>
+        <p:txBody>
+          <a:bodyPr wrap="none" rtlCol="0">
+            <a:spAutoFit/>
+          </a:bodyPr>
+          <a:lstStyle/>
+          <a:p>
+            <a:r>
+              <a:rPr lang="en-US" sz="1400" b="1" dirty="0"/>
+              <a:t>s</a:t>
+            </a:r>
+            <a:r>
+              <a:rPr lang="en-US" sz="1400" b="1" dirty="0" smtClean="0"/>
+              <a:t>ix neighbors</a:t>
+            </a:r>
+            <a:endParaRPr lang="en-US" sz="1400" b="1" dirty="0"/>
+          </a:p>
+        </p:txBody>
+      </p:sp>
+      <p:sp>
+        <p:nvSpPr>
+          <p:cNvPr id="96" name="TextBox 95"/>
+          <p:cNvSpPr txBox="1"/>
+          <p:nvPr/>
+        </p:nvSpPr>
+        <p:spPr>
+          <a:xfrm>
+            <a:off x="2016673" y="3785465"/>
+            <a:ext cx="796628" cy="307777"/>
+          </a:xfrm>
+          <a:prstGeom prst="rect">
+            <a:avLst/>
+          </a:prstGeom>
+          <a:noFill/>
+        </p:spPr>
+        <p:txBody>
+          <a:bodyPr wrap="none" rtlCol="0">
+            <a:spAutoFit/>
+          </a:bodyPr>
+          <a:lstStyle/>
+          <a:p>
+            <a:r>
+              <a:rPr lang="en-US" sz="1400" b="1" dirty="0" smtClean="0"/>
+              <a:t>features</a:t>
+            </a:r>
+            <a:endParaRPr lang="en-US" sz="1400" b="1" dirty="0"/>
+          </a:p>
+        </p:txBody>
+      </p:sp>
+      <p:sp>
+        <p:nvSpPr>
+          <p:cNvPr id="97" name="TextBox 96"/>
+          <p:cNvSpPr txBox="1"/>
+          <p:nvPr/>
+        </p:nvSpPr>
+        <p:spPr>
+          <a:xfrm>
+            <a:off x="5070772" y="3807023"/>
+            <a:ext cx="796628" cy="307777"/>
+          </a:xfrm>
+          <a:prstGeom prst="rect">
+            <a:avLst/>
+          </a:prstGeom>
+          <a:noFill/>
+        </p:spPr>
+        <p:txBody>
+          <a:bodyPr wrap="none" rtlCol="0">
+            <a:spAutoFit/>
+          </a:bodyPr>
+          <a:lstStyle/>
+          <a:p>
+            <a:r>
+              <a:rPr lang="en-US" sz="1400" b="1" dirty="0" smtClean="0"/>
+              <a:t>features</a:t>
+            </a:r>
+            <a:endParaRPr lang="en-US" sz="1400" b="1" dirty="0"/>
+          </a:p>
+        </p:txBody>
+      </p:sp>
+      <p:sp>
+        <p:nvSpPr>
+          <p:cNvPr id="98" name="TextBox 97"/>
+          <p:cNvSpPr txBox="1"/>
+          <p:nvPr/>
+        </p:nvSpPr>
+        <p:spPr>
+          <a:xfrm>
+            <a:off x="3663387" y="4191000"/>
+            <a:ext cx="648704" cy="307777"/>
+          </a:xfrm>
+          <a:prstGeom prst="rect">
+            <a:avLst/>
+          </a:prstGeom>
+          <a:noFill/>
+        </p:spPr>
+        <p:txBody>
+          <a:bodyPr wrap="none" rtlCol="0">
+            <a:spAutoFit/>
+          </a:bodyPr>
+          <a:lstStyle/>
+          <a:p>
+            <a:r>
+              <a:rPr lang="en-US" sz="1400" b="1" dirty="0" smtClean="0"/>
+              <a:t>match</a:t>
+            </a:r>
+            <a:endParaRPr lang="en-US" sz="1400" b="1" dirty="0"/>
+          </a:p>
+        </p:txBody>
+      </p:sp>
+    </p:spTree>
+    <p:extLst>
+      <p:ext uri="{BB962C8B-B14F-4D97-AF65-F5344CB8AC3E}">
+        <p14:creationId xmlns:p14="http://schemas.microsoft.com/office/powerpoint/2010/main" val="557547061"/>
+      </p:ext>
+    </p:extLst>
+  </p:cSld>
+  <p:clrMapOvr>
+    <a:masterClrMapping/>
+  </p:clrMapOvr>
+  <p:timing>
+    <p:tnLst>
+      <p:par>
+        <p:cTn xmlns:p14="http://schemas.microsoft.com/office/powerpoint/2010/main" id="1" dur="indefinite" restart="never" nodeType="tmRoot"/>
+      </p:par>
+    </p:tnLst>
+  </p:timing>
+</p:sld>
+</file>
+
 <file path=ppt/theme/theme1.xml><?xml version="1.0" encoding="utf-8"?>
 <a:theme xmlns:a="http://schemas.openxmlformats.org/drawingml/2006/main" name="Office Theme">
   <a:themeElements>
-    <a:clrScheme name="Office">
+    <a:clrScheme name="Orbit">
       <a:dk1>
-        <a:sysClr val="windowText" lastClr="000000"/>
+        <a:srgbClr val="000000"/>
       </a:dk1>
       <a:lt1>
-        <a:sysClr val="window" lastClr="FFFFFF"/>
+        <a:srgbClr val="FFFFFF"/>
       </a:lt1>
       <a:dk2>
-        <a:srgbClr val="1F497D"/>
+        <a:srgbClr val="7C9BA5"/>
       </a:dk2>
       <a:lt2>
-        <a:srgbClr val="EEECE1"/>
+        <a:srgbClr val="C1D0CA"/>
       </a:lt2>
       <a:accent1>
-        <a:srgbClr val="4F81BD"/>
+        <a:srgbClr val="F2D908"/>
       </a:accent1>
       <a:accent2>
-        <a:srgbClr val="C0504D"/>
+        <a:srgbClr val="9DE61E"/>
       </a:accent2>
       <a:accent3>
-        <a:srgbClr val="9BBB59"/>
+        <a:srgbClr val="0D8BE6"/>
       </a:accent3>
       <a:accent4>
-        <a:srgbClr val="8064A2"/>
+        <a:srgbClr val="C61B1B"/>
       </a:accent4>
       <a:accent5>
-        <a:srgbClr val="4BACC6"/>
+        <a:srgbClr val="E26F08"/>
       </a:accent5>
       <a:accent6>
-        <a:srgbClr val="F79646"/>
+        <a:srgbClr val="8D35D1"/>
       </a:accent6>
       <a:hlink>
-        <a:srgbClr val="0000FF"/>
+        <a:srgbClr val="ECBF0B"/>
       </a:hlink>
       <a:folHlink>
-        <a:srgbClr val="800080"/>
+        <a:srgbClr val="F4E5A8"/>
       </a:folHlink>
     </a:clrScheme>
     <a:fontScheme name="Office">
@@ -9533,7 +13895,46 @@
       </a:bgFillStyleLst>
     </a:fmtScheme>
   </a:themeElements>
-  <a:objectDefaults/>
+  <a:objectDefaults>
+    <a:spDef>
+      <a:spPr>
+        <a:noFill/>
+        <a:ln w="19050" cmpd="sng">
+          <a:solidFill>
+            <a:schemeClr val="tx1">
+              <a:lumMod val="95000"/>
+              <a:lumOff val="5000"/>
+            </a:schemeClr>
+          </a:solidFill>
+        </a:ln>
+        <a:effectLst/>
+      </a:spPr>
+      <a:bodyPr rtlCol="0" anchor="ctr"/>
+      <a:lstStyle>
+        <a:defPPr algn="ctr">
+          <a:defRPr dirty="0" smtClean="0">
+            <a:solidFill>
+              <a:schemeClr val="tx1"/>
+            </a:solidFill>
+          </a:defRPr>
+        </a:defPPr>
+      </a:lstStyle>
+      <a:style>
+        <a:lnRef idx="1">
+          <a:schemeClr val="accent1"/>
+        </a:lnRef>
+        <a:fillRef idx="3">
+          <a:schemeClr val="accent1"/>
+        </a:fillRef>
+        <a:effectRef idx="2">
+          <a:schemeClr val="accent1"/>
+        </a:effectRef>
+        <a:fontRef idx="minor">
+          <a:schemeClr val="lt1"/>
+        </a:fontRef>
+      </a:style>
+    </a:spDef>
+  </a:objectDefaults>
   <a:extraClrSchemeLst/>
 </a:theme>
 </file>